--- a/docs/ApresentaçãoFinal.pptx
+++ b/docs/ApresentaçãoFinal.pptx
@@ -5,16 +5,14 @@
     <p:sldMasterId id="2147483648" r:id="rId4"/>
   </p:sldMasterIdLst>
   <p:notesMasterIdLst>
-    <p:notesMasterId r:id="rId12"/>
+    <p:notesMasterId r:id="rId10"/>
   </p:notesMasterIdLst>
   <p:sldIdLst>
     <p:sldId id="257" r:id="rId5"/>
-    <p:sldId id="259" r:id="rId6"/>
-    <p:sldId id="265" r:id="rId7"/>
-    <p:sldId id="262" r:id="rId8"/>
-    <p:sldId id="266" r:id="rId9"/>
-    <p:sldId id="263" r:id="rId10"/>
-    <p:sldId id="267" r:id="rId11"/>
+    <p:sldId id="262" r:id="rId6"/>
+    <p:sldId id="266" r:id="rId7"/>
+    <p:sldId id="263" r:id="rId8"/>
+    <p:sldId id="267" r:id="rId9"/>
   </p:sldIdLst>
   <p:sldSz cx="12192000" cy="6858000"/>
   <p:notesSz cx="6858000" cy="9144000"/>
@@ -130,2500 +128,6 @@
 </p1510:revInfo>
 </file>
 
-<file path=ppt/diagrams/colors1.xml><?xml version="1.0" encoding="utf-8"?>
-<dgm:colorsDef xmlns:dgm="http://schemas.openxmlformats.org/drawingml/2006/diagram" xmlns:a="http://schemas.openxmlformats.org/drawingml/2006/main" uniqueId="urn:microsoft.com/office/officeart/2005/8/colors/colorful3">
-  <dgm:title val=""/>
-  <dgm:desc val=""/>
-  <dgm:catLst>
-    <dgm:cat type="colorful" pri="10300"/>
-  </dgm:catLst>
-  <dgm:styleLbl name="node0">
-    <dgm:fillClrLst meth="repeat">
-      <a:schemeClr val="accent2"/>
-    </dgm:fillClrLst>
-    <dgm:linClrLst meth="repeat">
-      <a:schemeClr val="lt1"/>
-    </dgm:linClrLst>
-    <dgm:effectClrLst/>
-    <dgm:txLinClrLst/>
-    <dgm:txFillClrLst/>
-    <dgm:txEffectClrLst/>
-  </dgm:styleLbl>
-  <dgm:styleLbl name="node1">
-    <dgm:fillClrLst>
-      <a:schemeClr val="accent3"/>
-      <a:schemeClr val="accent4"/>
-    </dgm:fillClrLst>
-    <dgm:linClrLst meth="repeat">
-      <a:schemeClr val="lt1"/>
-    </dgm:linClrLst>
-    <dgm:effectClrLst/>
-    <dgm:txLinClrLst/>
-    <dgm:txFillClrLst/>
-    <dgm:txEffectClrLst/>
-  </dgm:styleLbl>
-  <dgm:styleLbl name="alignNode1">
-    <dgm:fillClrLst>
-      <a:schemeClr val="accent3"/>
-      <a:schemeClr val="accent4"/>
-    </dgm:fillClrLst>
-    <dgm:linClrLst>
-      <a:schemeClr val="accent3"/>
-      <a:schemeClr val="accent4"/>
-    </dgm:linClrLst>
-    <dgm:effectClrLst/>
-    <dgm:txLinClrLst/>
-    <dgm:txFillClrLst/>
-    <dgm:txEffectClrLst/>
-  </dgm:styleLbl>
-  <dgm:styleLbl name="lnNode1">
-    <dgm:fillClrLst>
-      <a:schemeClr val="accent3"/>
-      <a:schemeClr val="accent4"/>
-    </dgm:fillClrLst>
-    <dgm:linClrLst meth="repeat">
-      <a:schemeClr val="lt1"/>
-    </dgm:linClrLst>
-    <dgm:effectClrLst/>
-    <dgm:txLinClrLst/>
-    <dgm:txFillClrLst/>
-    <dgm:txEffectClrLst/>
-  </dgm:styleLbl>
-  <dgm:styleLbl name="vennNode1">
-    <dgm:fillClrLst>
-      <a:schemeClr val="accent3">
-        <a:alpha val="50000"/>
-      </a:schemeClr>
-      <a:schemeClr val="accent4">
-        <a:alpha val="50000"/>
-      </a:schemeClr>
-    </dgm:fillClrLst>
-    <dgm:linClrLst meth="repeat">
-      <a:schemeClr val="lt1"/>
-    </dgm:linClrLst>
-    <dgm:effectClrLst/>
-    <dgm:txLinClrLst/>
-    <dgm:txFillClrLst/>
-    <dgm:txEffectClrLst/>
-  </dgm:styleLbl>
-  <dgm:styleLbl name="node2">
-    <dgm:fillClrLst>
-      <a:schemeClr val="accent4"/>
-    </dgm:fillClrLst>
-    <dgm:linClrLst meth="repeat">
-      <a:schemeClr val="lt1"/>
-    </dgm:linClrLst>
-    <dgm:effectClrLst/>
-    <dgm:txLinClrLst/>
-    <dgm:txFillClrLst/>
-    <dgm:txEffectClrLst/>
-  </dgm:styleLbl>
-  <dgm:styleLbl name="node3">
-    <dgm:fillClrLst>
-      <a:schemeClr val="accent5"/>
-    </dgm:fillClrLst>
-    <dgm:linClrLst meth="repeat">
-      <a:schemeClr val="lt1"/>
-    </dgm:linClrLst>
-    <dgm:effectClrLst/>
-    <dgm:txLinClrLst/>
-    <dgm:txFillClrLst/>
-    <dgm:txEffectClrLst/>
-  </dgm:styleLbl>
-  <dgm:styleLbl name="node4">
-    <dgm:fillClrLst>
-      <a:schemeClr val="accent6"/>
-    </dgm:fillClrLst>
-    <dgm:linClrLst meth="repeat">
-      <a:schemeClr val="lt1"/>
-    </dgm:linClrLst>
-    <dgm:effectClrLst/>
-    <dgm:txLinClrLst/>
-    <dgm:txFillClrLst/>
-    <dgm:txEffectClrLst/>
-  </dgm:styleLbl>
-  <dgm:styleLbl name="fgImgPlace1">
-    <dgm:fillClrLst>
-      <a:schemeClr val="accent3">
-        <a:tint val="50000"/>
-      </a:schemeClr>
-      <a:schemeClr val="accent4">
-        <a:tint val="50000"/>
-      </a:schemeClr>
-    </dgm:fillClrLst>
-    <dgm:linClrLst meth="repeat">
-      <a:schemeClr val="lt1"/>
-    </dgm:linClrLst>
-    <dgm:effectClrLst/>
-    <dgm:txLinClrLst/>
-    <dgm:txFillClrLst meth="repeat">
-      <a:schemeClr val="lt1"/>
-    </dgm:txFillClrLst>
-    <dgm:txEffectClrLst/>
-  </dgm:styleLbl>
-  <dgm:styleLbl name="alignImgPlace1">
-    <dgm:fillClrLst>
-      <a:schemeClr val="accent3">
-        <a:tint val="50000"/>
-      </a:schemeClr>
-      <a:schemeClr val="accent4">
-        <a:tint val="20000"/>
-      </a:schemeClr>
-    </dgm:fillClrLst>
-    <dgm:linClrLst meth="repeat">
-      <a:schemeClr val="lt1"/>
-    </dgm:linClrLst>
-    <dgm:effectClrLst/>
-    <dgm:txLinClrLst/>
-    <dgm:txFillClrLst meth="repeat">
-      <a:schemeClr val="lt1"/>
-    </dgm:txFillClrLst>
-    <dgm:txEffectClrLst/>
-  </dgm:styleLbl>
-  <dgm:styleLbl name="bgImgPlace1">
-    <dgm:fillClrLst>
-      <a:schemeClr val="accent3">
-        <a:tint val="50000"/>
-      </a:schemeClr>
-      <a:schemeClr val="accent4">
-        <a:tint val="20000"/>
-      </a:schemeClr>
-    </dgm:fillClrLst>
-    <dgm:linClrLst meth="repeat">
-      <a:schemeClr val="lt1"/>
-    </dgm:linClrLst>
-    <dgm:effectClrLst/>
-    <dgm:txLinClrLst/>
-    <dgm:txFillClrLst meth="repeat">
-      <a:schemeClr val="lt1"/>
-    </dgm:txFillClrLst>
-    <dgm:txEffectClrLst/>
-  </dgm:styleLbl>
-  <dgm:styleLbl name="sibTrans2D1">
-    <dgm:fillClrLst>
-      <a:schemeClr val="accent3"/>
-      <a:schemeClr val="accent4"/>
-    </dgm:fillClrLst>
-    <dgm:linClrLst meth="repeat">
-      <a:schemeClr val="lt1"/>
-    </dgm:linClrLst>
-    <dgm:effectClrLst/>
-    <dgm:txLinClrLst/>
-    <dgm:txFillClrLst/>
-    <dgm:txEffectClrLst/>
-  </dgm:styleLbl>
-  <dgm:styleLbl name="fgSibTrans2D1">
-    <dgm:fillClrLst>
-      <a:schemeClr val="accent3"/>
-      <a:schemeClr val="accent4"/>
-    </dgm:fillClrLst>
-    <dgm:linClrLst meth="repeat">
-      <a:schemeClr val="lt1"/>
-    </dgm:linClrLst>
-    <dgm:effectClrLst/>
-    <dgm:txLinClrLst/>
-    <dgm:txFillClrLst meth="repeat">
-      <a:schemeClr val="lt1"/>
-    </dgm:txFillClrLst>
-    <dgm:txEffectClrLst/>
-  </dgm:styleLbl>
-  <dgm:styleLbl name="bgSibTrans2D1">
-    <dgm:fillClrLst>
-      <a:schemeClr val="accent3"/>
-      <a:schemeClr val="accent4"/>
-    </dgm:fillClrLst>
-    <dgm:linClrLst meth="repeat">
-      <a:schemeClr val="lt1"/>
-    </dgm:linClrLst>
-    <dgm:effectClrLst/>
-    <dgm:txLinClrLst/>
-    <dgm:txFillClrLst meth="repeat">
-      <a:schemeClr val="lt1"/>
-    </dgm:txFillClrLst>
-    <dgm:txEffectClrLst/>
-  </dgm:styleLbl>
-  <dgm:styleLbl name="sibTrans1D1">
-    <dgm:fillClrLst/>
-    <dgm:linClrLst>
-      <a:schemeClr val="accent3"/>
-      <a:schemeClr val="accent4"/>
-    </dgm:linClrLst>
-    <dgm:effectClrLst/>
-    <dgm:txLinClrLst/>
-    <dgm:txFillClrLst meth="repeat">
-      <a:schemeClr val="tx1"/>
-    </dgm:txFillClrLst>
-    <dgm:txEffectClrLst/>
-  </dgm:styleLbl>
-  <dgm:styleLbl name="callout">
-    <dgm:fillClrLst meth="repeat">
-      <a:schemeClr val="accent3"/>
-    </dgm:fillClrLst>
-    <dgm:linClrLst meth="repeat">
-      <a:schemeClr val="accent3">
-        <a:tint val="50000"/>
-      </a:schemeClr>
-    </dgm:linClrLst>
-    <dgm:effectClrLst/>
-    <dgm:txLinClrLst/>
-    <dgm:txFillClrLst meth="repeat">
-      <a:schemeClr val="tx1"/>
-    </dgm:txFillClrLst>
-    <dgm:txEffectClrLst/>
-  </dgm:styleLbl>
-  <dgm:styleLbl name="asst0">
-    <dgm:fillClrLst meth="repeat">
-      <a:schemeClr val="accent3"/>
-    </dgm:fillClrLst>
-    <dgm:linClrLst meth="repeat">
-      <a:schemeClr val="lt1">
-        <a:shade val="80000"/>
-      </a:schemeClr>
-    </dgm:linClrLst>
-    <dgm:effectClrLst/>
-    <dgm:txLinClrLst/>
-    <dgm:txFillClrLst/>
-    <dgm:txEffectClrLst/>
-  </dgm:styleLbl>
-  <dgm:styleLbl name="asst1">
-    <dgm:fillClrLst meth="repeat">
-      <a:schemeClr val="accent4"/>
-    </dgm:fillClrLst>
-    <dgm:linClrLst meth="repeat">
-      <a:schemeClr val="lt1">
-        <a:shade val="80000"/>
-      </a:schemeClr>
-    </dgm:linClrLst>
-    <dgm:effectClrLst/>
-    <dgm:txLinClrLst/>
-    <dgm:txFillClrLst/>
-    <dgm:txEffectClrLst/>
-  </dgm:styleLbl>
-  <dgm:styleLbl name="asst2">
-    <dgm:fillClrLst>
-      <a:schemeClr val="accent5"/>
-    </dgm:fillClrLst>
-    <dgm:linClrLst meth="repeat">
-      <a:schemeClr val="lt1"/>
-    </dgm:linClrLst>
-    <dgm:effectClrLst/>
-    <dgm:txLinClrLst/>
-    <dgm:txFillClrLst/>
-    <dgm:txEffectClrLst/>
-  </dgm:styleLbl>
-  <dgm:styleLbl name="asst3">
-    <dgm:fillClrLst>
-      <a:schemeClr val="accent6"/>
-    </dgm:fillClrLst>
-    <dgm:linClrLst meth="repeat">
-      <a:schemeClr val="lt1"/>
-    </dgm:linClrLst>
-    <dgm:effectClrLst/>
-    <dgm:txLinClrLst/>
-    <dgm:txFillClrLst/>
-    <dgm:txEffectClrLst/>
-  </dgm:styleLbl>
-  <dgm:styleLbl name="asst4">
-    <dgm:fillClrLst>
-      <a:schemeClr val="accent1"/>
-    </dgm:fillClrLst>
-    <dgm:linClrLst meth="repeat">
-      <a:schemeClr val="lt1"/>
-    </dgm:linClrLst>
-    <dgm:effectClrLst/>
-    <dgm:txLinClrLst/>
-    <dgm:txFillClrLst/>
-    <dgm:txEffectClrLst/>
-  </dgm:styleLbl>
-  <dgm:styleLbl name="parChTrans2D1">
-    <dgm:fillClrLst meth="repeat">
-      <a:schemeClr val="accent2"/>
-    </dgm:fillClrLst>
-    <dgm:linClrLst meth="repeat">
-      <a:schemeClr val="lt1"/>
-    </dgm:linClrLst>
-    <dgm:effectClrLst/>
-    <dgm:txLinClrLst/>
-    <dgm:txFillClrLst meth="repeat">
-      <a:schemeClr val="lt1"/>
-    </dgm:txFillClrLst>
-    <dgm:txEffectClrLst/>
-  </dgm:styleLbl>
-  <dgm:styleLbl name="parChTrans2D2">
-    <dgm:fillClrLst meth="repeat">
-      <a:schemeClr val="accent3"/>
-    </dgm:fillClrLst>
-    <dgm:linClrLst meth="repeat">
-      <a:schemeClr val="lt1"/>
-    </dgm:linClrLst>
-    <dgm:effectClrLst/>
-    <dgm:txLinClrLst/>
-    <dgm:txFillClrLst/>
-    <dgm:txEffectClrLst/>
-  </dgm:styleLbl>
-  <dgm:styleLbl name="parChTrans2D3">
-    <dgm:fillClrLst meth="repeat">
-      <a:schemeClr val="accent4"/>
-    </dgm:fillClrLst>
-    <dgm:linClrLst meth="repeat">
-      <a:schemeClr val="lt1"/>
-    </dgm:linClrLst>
-    <dgm:effectClrLst/>
-    <dgm:txLinClrLst/>
-    <dgm:txFillClrLst/>
-    <dgm:txEffectClrLst/>
-  </dgm:styleLbl>
-  <dgm:styleLbl name="parChTrans2D4">
-    <dgm:fillClrLst meth="repeat">
-      <a:schemeClr val="accent5"/>
-    </dgm:fillClrLst>
-    <dgm:linClrLst meth="repeat">
-      <a:schemeClr val="lt1"/>
-    </dgm:linClrLst>
-    <dgm:effectClrLst/>
-    <dgm:txLinClrLst/>
-    <dgm:txFillClrLst meth="repeat">
-      <a:schemeClr val="lt1"/>
-    </dgm:txFillClrLst>
-    <dgm:txEffectClrLst/>
-  </dgm:styleLbl>
-  <dgm:styleLbl name="parChTrans1D1">
-    <dgm:fillClrLst meth="repeat">
-      <a:schemeClr val="accent3"/>
-    </dgm:fillClrLst>
-    <dgm:linClrLst meth="repeat">
-      <a:schemeClr val="accent3"/>
-    </dgm:linClrLst>
-    <dgm:effectClrLst/>
-    <dgm:txLinClrLst/>
-    <dgm:txFillClrLst meth="repeat">
-      <a:schemeClr val="tx1"/>
-    </dgm:txFillClrLst>
-    <dgm:txEffectClrLst/>
-  </dgm:styleLbl>
-  <dgm:styleLbl name="parChTrans1D2">
-    <dgm:fillClrLst meth="repeat">
-      <a:schemeClr val="accent2">
-        <a:tint val="90000"/>
-      </a:schemeClr>
-    </dgm:fillClrLst>
-    <dgm:linClrLst meth="repeat">
-      <a:schemeClr val="accent4"/>
-    </dgm:linClrLst>
-    <dgm:effectClrLst/>
-    <dgm:txLinClrLst/>
-    <dgm:txFillClrLst meth="repeat">
-      <a:schemeClr val="tx1"/>
-    </dgm:txFillClrLst>
-    <dgm:txEffectClrLst/>
-  </dgm:styleLbl>
-  <dgm:styleLbl name="parChTrans1D3">
-    <dgm:fillClrLst meth="repeat">
-      <a:schemeClr val="accent2">
-        <a:tint val="70000"/>
-      </a:schemeClr>
-    </dgm:fillClrLst>
-    <dgm:linClrLst meth="repeat">
-      <a:schemeClr val="accent5"/>
-    </dgm:linClrLst>
-    <dgm:effectClrLst/>
-    <dgm:txLinClrLst/>
-    <dgm:txFillClrLst meth="repeat">
-      <a:schemeClr val="tx1"/>
-    </dgm:txFillClrLst>
-    <dgm:txEffectClrLst/>
-  </dgm:styleLbl>
-  <dgm:styleLbl name="parChTrans1D4">
-    <dgm:fillClrLst meth="repeat">
-      <a:schemeClr val="accent6">
-        <a:tint val="50000"/>
-      </a:schemeClr>
-    </dgm:fillClrLst>
-    <dgm:linClrLst meth="repeat">
-      <a:schemeClr val="accent6"/>
-    </dgm:linClrLst>
-    <dgm:effectClrLst/>
-    <dgm:txLinClrLst/>
-    <dgm:txFillClrLst meth="repeat">
-      <a:schemeClr val="tx1"/>
-    </dgm:txFillClrLst>
-    <dgm:txEffectClrLst/>
-  </dgm:styleLbl>
-  <dgm:styleLbl name="fgAcc1">
-    <dgm:fillClrLst meth="repeat">
-      <a:schemeClr val="lt1">
-        <a:alpha val="90000"/>
-      </a:schemeClr>
-    </dgm:fillClrLst>
-    <dgm:linClrLst>
-      <a:schemeClr val="accent3"/>
-      <a:schemeClr val="accent4"/>
-    </dgm:linClrLst>
-    <dgm:effectClrLst/>
-    <dgm:txLinClrLst/>
-    <dgm:txFillClrLst meth="repeat">
-      <a:schemeClr val="dk1"/>
-    </dgm:txFillClrLst>
-    <dgm:txEffectClrLst/>
-  </dgm:styleLbl>
-  <dgm:styleLbl name="conFgAcc1">
-    <dgm:fillClrLst meth="repeat">
-      <a:schemeClr val="lt1">
-        <a:alpha val="90000"/>
-      </a:schemeClr>
-    </dgm:fillClrLst>
-    <dgm:linClrLst>
-      <a:schemeClr val="accent3"/>
-      <a:schemeClr val="accent4"/>
-    </dgm:linClrLst>
-    <dgm:effectClrLst/>
-    <dgm:txLinClrLst/>
-    <dgm:txFillClrLst meth="repeat">
-      <a:schemeClr val="dk1"/>
-    </dgm:txFillClrLst>
-    <dgm:txEffectClrLst/>
-  </dgm:styleLbl>
-  <dgm:styleLbl name="alignAcc1">
-    <dgm:fillClrLst meth="repeat">
-      <a:schemeClr val="lt1">
-        <a:alpha val="90000"/>
-      </a:schemeClr>
-    </dgm:fillClrLst>
-    <dgm:linClrLst>
-      <a:schemeClr val="accent3"/>
-      <a:schemeClr val="accent4"/>
-    </dgm:linClrLst>
-    <dgm:effectClrLst/>
-    <dgm:txLinClrLst/>
-    <dgm:txFillClrLst meth="repeat">
-      <a:schemeClr val="dk1"/>
-    </dgm:txFillClrLst>
-    <dgm:txEffectClrLst/>
-  </dgm:styleLbl>
-  <dgm:styleLbl name="trAlignAcc1">
-    <dgm:fillClrLst meth="repeat">
-      <a:schemeClr val="lt1">
-        <a:alpha val="40000"/>
-      </a:schemeClr>
-    </dgm:fillClrLst>
-    <dgm:linClrLst meth="repeat">
-      <a:schemeClr val="accent2"/>
-    </dgm:linClrLst>
-    <dgm:effectClrLst/>
-    <dgm:txLinClrLst/>
-    <dgm:txFillClrLst meth="repeat">
-      <a:schemeClr val="dk1"/>
-    </dgm:txFillClrLst>
-    <dgm:txEffectClrLst/>
-  </dgm:styleLbl>
-  <dgm:styleLbl name="bgAcc1">
-    <dgm:fillClrLst meth="repeat">
-      <a:schemeClr val="lt1">
-        <a:alpha val="90000"/>
-      </a:schemeClr>
-    </dgm:fillClrLst>
-    <dgm:linClrLst>
-      <a:schemeClr val="accent3"/>
-      <a:schemeClr val="accent4"/>
-    </dgm:linClrLst>
-    <dgm:effectClrLst/>
-    <dgm:txLinClrLst/>
-    <dgm:txFillClrLst meth="repeat">
-      <a:schemeClr val="dk1"/>
-    </dgm:txFillClrLst>
-    <dgm:txEffectClrLst/>
-  </dgm:styleLbl>
-  <dgm:styleLbl name="solidFgAcc1">
-    <dgm:fillClrLst meth="repeat">
-      <a:schemeClr val="lt1"/>
-    </dgm:fillClrLst>
-    <dgm:linClrLst>
-      <a:schemeClr val="accent3"/>
-      <a:schemeClr val="accent4"/>
-    </dgm:linClrLst>
-    <dgm:effectClrLst/>
-    <dgm:txLinClrLst/>
-    <dgm:txFillClrLst meth="repeat">
-      <a:schemeClr val="dk1"/>
-    </dgm:txFillClrLst>
-    <dgm:txEffectClrLst/>
-  </dgm:styleLbl>
-  <dgm:styleLbl name="solidAlignAcc1">
-    <dgm:fillClrLst meth="repeat">
-      <a:schemeClr val="lt1"/>
-    </dgm:fillClrLst>
-    <dgm:linClrLst>
-      <a:schemeClr val="accent3"/>
-      <a:schemeClr val="accent4"/>
-    </dgm:linClrLst>
-    <dgm:effectClrLst/>
-    <dgm:txLinClrLst/>
-    <dgm:txFillClrLst meth="repeat">
-      <a:schemeClr val="dk1"/>
-    </dgm:txFillClrLst>
-    <dgm:txEffectClrLst/>
-  </dgm:styleLbl>
-  <dgm:styleLbl name="solidBgAcc1">
-    <dgm:fillClrLst meth="repeat">
-      <a:schemeClr val="lt1"/>
-    </dgm:fillClrLst>
-    <dgm:linClrLst>
-      <a:schemeClr val="accent3"/>
-      <a:schemeClr val="accent4"/>
-    </dgm:linClrLst>
-    <dgm:effectClrLst/>
-    <dgm:txLinClrLst/>
-    <dgm:txFillClrLst meth="repeat">
-      <a:schemeClr val="dk1"/>
-    </dgm:txFillClrLst>
-    <dgm:txEffectClrLst/>
-  </dgm:styleLbl>
-  <dgm:styleLbl name="fgAccFollowNode1">
-    <dgm:fillClrLst>
-      <a:schemeClr val="accent3">
-        <a:tint val="40000"/>
-        <a:alpha val="90000"/>
-      </a:schemeClr>
-      <a:schemeClr val="accent4">
-        <a:tint val="40000"/>
-        <a:alpha val="90000"/>
-      </a:schemeClr>
-    </dgm:fillClrLst>
-    <dgm:linClrLst>
-      <a:schemeClr val="accent3">
-        <a:tint val="40000"/>
-        <a:alpha val="90000"/>
-      </a:schemeClr>
-      <a:schemeClr val="accent4">
-        <a:tint val="40000"/>
-        <a:alpha val="90000"/>
-      </a:schemeClr>
-    </dgm:linClrLst>
-    <dgm:effectClrLst/>
-    <dgm:txLinClrLst/>
-    <dgm:txFillClrLst meth="repeat">
-      <a:schemeClr val="dk1"/>
-    </dgm:txFillClrLst>
-    <dgm:txEffectClrLst/>
-  </dgm:styleLbl>
-  <dgm:styleLbl name="alignAccFollowNode1">
-    <dgm:fillClrLst>
-      <a:schemeClr val="accent3">
-        <a:tint val="40000"/>
-        <a:alpha val="90000"/>
-      </a:schemeClr>
-      <a:schemeClr val="accent4">
-        <a:tint val="40000"/>
-        <a:alpha val="90000"/>
-      </a:schemeClr>
-    </dgm:fillClrLst>
-    <dgm:linClrLst>
-      <a:schemeClr val="accent3">
-        <a:tint val="40000"/>
-        <a:alpha val="90000"/>
-      </a:schemeClr>
-      <a:schemeClr val="accent4">
-        <a:tint val="40000"/>
-        <a:alpha val="90000"/>
-      </a:schemeClr>
-    </dgm:linClrLst>
-    <dgm:effectClrLst/>
-    <dgm:txLinClrLst/>
-    <dgm:txFillClrLst meth="repeat">
-      <a:schemeClr val="dk1"/>
-    </dgm:txFillClrLst>
-    <dgm:txEffectClrLst/>
-  </dgm:styleLbl>
-  <dgm:styleLbl name="bgAccFollowNode1">
-    <dgm:fillClrLst>
-      <a:schemeClr val="accent3">
-        <a:tint val="40000"/>
-        <a:alpha val="90000"/>
-      </a:schemeClr>
-      <a:schemeClr val="accent4">
-        <a:tint val="40000"/>
-        <a:alpha val="90000"/>
-      </a:schemeClr>
-    </dgm:fillClrLst>
-    <dgm:linClrLst>
-      <a:schemeClr val="accent3">
-        <a:tint val="40000"/>
-        <a:alpha val="90000"/>
-      </a:schemeClr>
-      <a:schemeClr val="accent4">
-        <a:tint val="40000"/>
-        <a:alpha val="90000"/>
-      </a:schemeClr>
-    </dgm:linClrLst>
-    <dgm:effectClrLst/>
-    <dgm:txLinClrLst/>
-    <dgm:txFillClrLst meth="repeat">
-      <a:schemeClr val="dk1"/>
-    </dgm:txFillClrLst>
-    <dgm:txEffectClrLst/>
-  </dgm:styleLbl>
-  <dgm:styleLbl name="fgAcc0">
-    <dgm:fillClrLst meth="repeat">
-      <a:schemeClr val="lt1">
-        <a:alpha val="90000"/>
-      </a:schemeClr>
-    </dgm:fillClrLst>
-    <dgm:linClrLst>
-      <a:schemeClr val="accent2"/>
-    </dgm:linClrLst>
-    <dgm:effectClrLst/>
-    <dgm:txLinClrLst/>
-    <dgm:txFillClrLst meth="repeat">
-      <a:schemeClr val="dk1"/>
-    </dgm:txFillClrLst>
-    <dgm:txEffectClrLst/>
-  </dgm:styleLbl>
-  <dgm:styleLbl name="fgAcc2">
-    <dgm:fillClrLst meth="repeat">
-      <a:schemeClr val="lt1">
-        <a:alpha val="90000"/>
-      </a:schemeClr>
-    </dgm:fillClrLst>
-    <dgm:linClrLst>
-      <a:schemeClr val="accent4"/>
-    </dgm:linClrLst>
-    <dgm:effectClrLst/>
-    <dgm:txLinClrLst/>
-    <dgm:txFillClrLst meth="repeat">
-      <a:schemeClr val="dk1"/>
-    </dgm:txFillClrLst>
-    <dgm:txEffectClrLst/>
-  </dgm:styleLbl>
-  <dgm:styleLbl name="fgAcc3">
-    <dgm:fillClrLst meth="repeat">
-      <a:schemeClr val="lt1">
-        <a:alpha val="90000"/>
-      </a:schemeClr>
-    </dgm:fillClrLst>
-    <dgm:linClrLst>
-      <a:schemeClr val="accent5"/>
-    </dgm:linClrLst>
-    <dgm:effectClrLst/>
-    <dgm:txLinClrLst/>
-    <dgm:txFillClrLst meth="repeat">
-      <a:schemeClr val="dk1"/>
-    </dgm:txFillClrLst>
-    <dgm:txEffectClrLst/>
-  </dgm:styleLbl>
-  <dgm:styleLbl name="fgAcc4">
-    <dgm:fillClrLst meth="repeat">
-      <a:schemeClr val="lt1">
-        <a:alpha val="90000"/>
-      </a:schemeClr>
-    </dgm:fillClrLst>
-    <dgm:linClrLst>
-      <a:schemeClr val="accent6"/>
-    </dgm:linClrLst>
-    <dgm:effectClrLst/>
-    <dgm:txLinClrLst/>
-    <dgm:txFillClrLst meth="repeat">
-      <a:schemeClr val="dk1"/>
-    </dgm:txFillClrLst>
-    <dgm:txEffectClrLst/>
-  </dgm:styleLbl>
-  <dgm:styleLbl name="bgShp">
-    <dgm:fillClrLst meth="repeat">
-      <a:schemeClr val="accent3">
-        <a:tint val="40000"/>
-      </a:schemeClr>
-    </dgm:fillClrLst>
-    <dgm:linClrLst meth="repeat">
-      <a:schemeClr val="dk1"/>
-    </dgm:linClrLst>
-    <dgm:effectClrLst/>
-    <dgm:txLinClrLst/>
-    <dgm:txFillClrLst meth="repeat">
-      <a:schemeClr val="dk1"/>
-    </dgm:txFillClrLst>
-    <dgm:txEffectClrLst/>
-  </dgm:styleLbl>
-  <dgm:styleLbl name="dkBgShp">
-    <dgm:fillClrLst meth="repeat">
-      <a:schemeClr val="accent3">
-        <a:shade val="90000"/>
-      </a:schemeClr>
-    </dgm:fillClrLst>
-    <dgm:linClrLst meth="repeat">
-      <a:schemeClr val="dk1"/>
-    </dgm:linClrLst>
-    <dgm:effectClrLst/>
-    <dgm:txLinClrLst/>
-    <dgm:txFillClrLst meth="repeat">
-      <a:schemeClr val="lt1"/>
-    </dgm:txFillClrLst>
-    <dgm:txEffectClrLst/>
-  </dgm:styleLbl>
-  <dgm:styleLbl name="trBgShp">
-    <dgm:fillClrLst meth="repeat">
-      <a:schemeClr val="accent2">
-        <a:tint val="50000"/>
-        <a:alpha val="40000"/>
-      </a:schemeClr>
-    </dgm:fillClrLst>
-    <dgm:linClrLst meth="repeat">
-      <a:schemeClr val="accent3"/>
-    </dgm:linClrLst>
-    <dgm:effectClrLst/>
-    <dgm:txLinClrLst/>
-    <dgm:txFillClrLst meth="repeat">
-      <a:schemeClr val="lt1"/>
-    </dgm:txFillClrLst>
-    <dgm:txEffectClrLst/>
-  </dgm:styleLbl>
-  <dgm:styleLbl name="fgShp">
-    <dgm:fillClrLst meth="repeat">
-      <a:schemeClr val="accent3">
-        <a:tint val="40000"/>
-      </a:schemeClr>
-    </dgm:fillClrLst>
-    <dgm:linClrLst meth="repeat">
-      <a:schemeClr val="lt1"/>
-    </dgm:linClrLst>
-    <dgm:effectClrLst/>
-    <dgm:txLinClrLst/>
-    <dgm:txFillClrLst meth="repeat">
-      <a:schemeClr val="dk1"/>
-    </dgm:txFillClrLst>
-    <dgm:txEffectClrLst/>
-  </dgm:styleLbl>
-  <dgm:styleLbl name="revTx">
-    <dgm:fillClrLst meth="repeat">
-      <a:schemeClr val="lt1">
-        <a:alpha val="0"/>
-      </a:schemeClr>
-    </dgm:fillClrLst>
-    <dgm:linClrLst meth="repeat">
-      <a:schemeClr val="dk1">
-        <a:alpha val="0"/>
-      </a:schemeClr>
-    </dgm:linClrLst>
-    <dgm:effectClrLst/>
-    <dgm:txLinClrLst/>
-    <dgm:txFillClrLst meth="repeat">
-      <a:schemeClr val="tx1"/>
-    </dgm:txFillClrLst>
-    <dgm:txEffectClrLst/>
-  </dgm:styleLbl>
-</dgm:colorsDef>
-</file>
-
-<file path=ppt/diagrams/data1.xml><?xml version="1.0" encoding="utf-8"?>
-<dgm:dataModel xmlns:dgm="http://schemas.openxmlformats.org/drawingml/2006/diagram" xmlns:a="http://schemas.openxmlformats.org/drawingml/2006/main">
-  <dgm:ptLst>
-    <dgm:pt modelId="{3A4528EE-8AC9-44F3-BC6C-3BC3A4FE2A88}" type="doc">
-      <dgm:prSet loTypeId="urn:microsoft.com/office/officeart/2005/8/layout/arrow3" loCatId="relationship" qsTypeId="urn:microsoft.com/office/officeart/2005/8/quickstyle/simple1" qsCatId="simple" csTypeId="urn:microsoft.com/office/officeart/2005/8/colors/colorful3" csCatId="colorful" phldr="1"/>
-      <dgm:spPr/>
-      <dgm:t>
-        <a:bodyPr/>
-        <a:lstStyle/>
-        <a:p>
-          <a:endParaRPr lang="pt-PT"/>
-        </a:p>
-      </dgm:t>
-    </dgm:pt>
-    <dgm:pt modelId="{88834847-98BC-4DF2-AFE1-90FA71ADB4D1}">
-      <dgm:prSet phldrT="[Texto]"/>
-      <dgm:spPr/>
-      <dgm:t>
-        <a:bodyPr/>
-        <a:lstStyle/>
-        <a:p>
-          <a:r>
-            <a:rPr lang="pt-PT" b="1">
-              <a:latin typeface="Abadi" panose="020B0604020104020204" pitchFamily="34" charset="0"/>
-            </a:rPr>
-            <a:t>Solicitado pelo Aluno</a:t>
-          </a:r>
-        </a:p>
-      </dgm:t>
-    </dgm:pt>
-    <dgm:pt modelId="{1FB82B16-8F1F-4E57-AA3B-2FED0C850508}" type="parTrans" cxnId="{A0CC4D15-0D1E-438B-A8B3-1F281147F672}">
-      <dgm:prSet/>
-      <dgm:spPr/>
-      <dgm:t>
-        <a:bodyPr/>
-        <a:lstStyle/>
-        <a:p>
-          <a:endParaRPr lang="pt-PT"/>
-        </a:p>
-      </dgm:t>
-    </dgm:pt>
-    <dgm:pt modelId="{10AE8B86-748B-4EDC-A30A-DB141DC18C94}" type="sibTrans" cxnId="{A0CC4D15-0D1E-438B-A8B3-1F281147F672}">
-      <dgm:prSet/>
-      <dgm:spPr/>
-      <dgm:t>
-        <a:bodyPr/>
-        <a:lstStyle/>
-        <a:p>
-          <a:endParaRPr lang="pt-PT"/>
-        </a:p>
-      </dgm:t>
-    </dgm:pt>
-    <dgm:pt modelId="{47FCA2E6-352E-4377-86D7-57C3C06D32E6}">
-      <dgm:prSet phldrT="[Texto]"/>
-      <dgm:spPr/>
-      <dgm:t>
-        <a:bodyPr/>
-        <a:lstStyle/>
-        <a:p>
-          <a:endParaRPr lang="pt-PT" b="1">
-            <a:latin typeface="Abadi" panose="020B0604020104020204" pitchFamily="34" charset="0"/>
-          </a:endParaRPr>
-        </a:p>
-      </dgm:t>
-    </dgm:pt>
-    <dgm:pt modelId="{61F68269-DC7A-4FD2-96CE-11B30EED4FC3}" type="parTrans" cxnId="{CC4301AA-C21B-4284-9661-986C40DF5CF2}">
-      <dgm:prSet/>
-      <dgm:spPr/>
-      <dgm:t>
-        <a:bodyPr/>
-        <a:lstStyle/>
-        <a:p>
-          <a:endParaRPr lang="pt-PT"/>
-        </a:p>
-      </dgm:t>
-    </dgm:pt>
-    <dgm:pt modelId="{C7870C2A-4226-4A9C-942A-C63155527735}" type="sibTrans" cxnId="{CC4301AA-C21B-4284-9661-986C40DF5CF2}">
-      <dgm:prSet/>
-      <dgm:spPr/>
-      <dgm:t>
-        <a:bodyPr/>
-        <a:lstStyle/>
-        <a:p>
-          <a:endParaRPr lang="pt-PT"/>
-        </a:p>
-      </dgm:t>
-    </dgm:pt>
-    <dgm:pt modelId="{C9DD78EC-8490-4F93-932E-B756D8FD9606}" type="pres">
-      <dgm:prSet presAssocID="{3A4528EE-8AC9-44F3-BC6C-3BC3A4FE2A88}" presName="compositeShape" presStyleCnt="0">
-        <dgm:presLayoutVars>
-          <dgm:chMax val="2"/>
-          <dgm:dir/>
-          <dgm:resizeHandles val="exact"/>
-        </dgm:presLayoutVars>
-      </dgm:prSet>
-      <dgm:spPr/>
-    </dgm:pt>
-    <dgm:pt modelId="{0B6BF93D-7637-4BFB-883F-7DA5AC9D78CD}" type="pres">
-      <dgm:prSet presAssocID="{3A4528EE-8AC9-44F3-BC6C-3BC3A4FE2A88}" presName="divider" presStyleLbl="fgShp" presStyleIdx="0" presStyleCnt="1"/>
-      <dgm:spPr/>
-    </dgm:pt>
-    <dgm:pt modelId="{93D85591-6821-4F53-8807-E188BF2D164C}" type="pres">
-      <dgm:prSet presAssocID="{88834847-98BC-4DF2-AFE1-90FA71ADB4D1}" presName="downArrow" presStyleLbl="node1" presStyleIdx="0" presStyleCnt="2"/>
-      <dgm:spPr/>
-    </dgm:pt>
-    <dgm:pt modelId="{E5F12E74-2858-46CF-B26A-E68A354D6766}" type="pres">
-      <dgm:prSet presAssocID="{88834847-98BC-4DF2-AFE1-90FA71ADB4D1}" presName="downArrowText" presStyleLbl="revTx" presStyleIdx="0" presStyleCnt="2" custScaleX="129346">
-        <dgm:presLayoutVars>
-          <dgm:bulletEnabled val="1"/>
-        </dgm:presLayoutVars>
-      </dgm:prSet>
-      <dgm:spPr/>
-    </dgm:pt>
-    <dgm:pt modelId="{F3F846F0-7D77-4FE7-A193-300C1B427409}" type="pres">
-      <dgm:prSet presAssocID="{47FCA2E6-352E-4377-86D7-57C3C06D32E6}" presName="upArrow" presStyleLbl="node1" presStyleIdx="1" presStyleCnt="2"/>
-      <dgm:spPr/>
-    </dgm:pt>
-    <dgm:pt modelId="{101BE685-1F41-462D-8625-B80C2857E19C}" type="pres">
-      <dgm:prSet presAssocID="{47FCA2E6-352E-4377-86D7-57C3C06D32E6}" presName="upArrowText" presStyleLbl="revTx" presStyleIdx="1" presStyleCnt="2" custScaleX="152699">
-        <dgm:presLayoutVars>
-          <dgm:bulletEnabled val="1"/>
-        </dgm:presLayoutVars>
-      </dgm:prSet>
-      <dgm:spPr/>
-    </dgm:pt>
-  </dgm:ptLst>
-  <dgm:cxnLst>
-    <dgm:cxn modelId="{A0CC4D15-0D1E-438B-A8B3-1F281147F672}" srcId="{3A4528EE-8AC9-44F3-BC6C-3BC3A4FE2A88}" destId="{88834847-98BC-4DF2-AFE1-90FA71ADB4D1}" srcOrd="0" destOrd="0" parTransId="{1FB82B16-8F1F-4E57-AA3B-2FED0C850508}" sibTransId="{10AE8B86-748B-4EDC-A30A-DB141DC18C94}"/>
-    <dgm:cxn modelId="{418C0D36-C912-44AE-830A-8600612FDDF6}" type="presOf" srcId="{47FCA2E6-352E-4377-86D7-57C3C06D32E6}" destId="{101BE685-1F41-462D-8625-B80C2857E19C}" srcOrd="0" destOrd="0" presId="urn:microsoft.com/office/officeart/2005/8/layout/arrow3"/>
-    <dgm:cxn modelId="{CFB16EA4-A404-4568-A4C8-6D22CEE4D573}" type="presOf" srcId="{88834847-98BC-4DF2-AFE1-90FA71ADB4D1}" destId="{E5F12E74-2858-46CF-B26A-E68A354D6766}" srcOrd="0" destOrd="0" presId="urn:microsoft.com/office/officeart/2005/8/layout/arrow3"/>
-    <dgm:cxn modelId="{CC4301AA-C21B-4284-9661-986C40DF5CF2}" srcId="{3A4528EE-8AC9-44F3-BC6C-3BC3A4FE2A88}" destId="{47FCA2E6-352E-4377-86D7-57C3C06D32E6}" srcOrd="1" destOrd="0" parTransId="{61F68269-DC7A-4FD2-96CE-11B30EED4FC3}" sibTransId="{C7870C2A-4226-4A9C-942A-C63155527735}"/>
-    <dgm:cxn modelId="{87915BE7-ACDD-4369-BD31-FA9B54EC610C}" type="presOf" srcId="{3A4528EE-8AC9-44F3-BC6C-3BC3A4FE2A88}" destId="{C9DD78EC-8490-4F93-932E-B756D8FD9606}" srcOrd="0" destOrd="0" presId="urn:microsoft.com/office/officeart/2005/8/layout/arrow3"/>
-    <dgm:cxn modelId="{71DE2EBB-60C9-4939-AC4F-97351C48CD9D}" type="presParOf" srcId="{C9DD78EC-8490-4F93-932E-B756D8FD9606}" destId="{0B6BF93D-7637-4BFB-883F-7DA5AC9D78CD}" srcOrd="0" destOrd="0" presId="urn:microsoft.com/office/officeart/2005/8/layout/arrow3"/>
-    <dgm:cxn modelId="{29A3A571-53A5-4FC7-9C47-02E2B94988BD}" type="presParOf" srcId="{C9DD78EC-8490-4F93-932E-B756D8FD9606}" destId="{93D85591-6821-4F53-8807-E188BF2D164C}" srcOrd="1" destOrd="0" presId="urn:microsoft.com/office/officeart/2005/8/layout/arrow3"/>
-    <dgm:cxn modelId="{93E51EDE-5525-4A72-B877-90AA26737343}" type="presParOf" srcId="{C9DD78EC-8490-4F93-932E-B756D8FD9606}" destId="{E5F12E74-2858-46CF-B26A-E68A354D6766}" srcOrd="2" destOrd="0" presId="urn:microsoft.com/office/officeart/2005/8/layout/arrow3"/>
-    <dgm:cxn modelId="{6BA3E3DB-ACAA-482C-9C63-7010810EDDD5}" type="presParOf" srcId="{C9DD78EC-8490-4F93-932E-B756D8FD9606}" destId="{F3F846F0-7D77-4FE7-A193-300C1B427409}" srcOrd="3" destOrd="0" presId="urn:microsoft.com/office/officeart/2005/8/layout/arrow3"/>
-    <dgm:cxn modelId="{1DC7D9E6-AB7C-4589-8564-9D8714B77C1C}" type="presParOf" srcId="{C9DD78EC-8490-4F93-932E-B756D8FD9606}" destId="{101BE685-1F41-462D-8625-B80C2857E19C}" srcOrd="4" destOrd="0" presId="urn:microsoft.com/office/officeart/2005/8/layout/arrow3"/>
-  </dgm:cxnLst>
-  <dgm:bg/>
-  <dgm:whole/>
-  <dgm:extLst>
-    <a:ext uri="http://schemas.microsoft.com/office/drawing/2008/diagram">
-      <dsp:dataModelExt xmlns:dsp="http://schemas.microsoft.com/office/drawing/2008/diagram" relId="rId7" minVer="http://schemas.openxmlformats.org/drawingml/2006/diagram"/>
-    </a:ext>
-  </dgm:extLst>
-</dgm:dataModel>
-</file>
-
-<file path=ppt/diagrams/drawing1.xml><?xml version="1.0" encoding="utf-8"?>
-<dsp:drawing xmlns:dgm="http://schemas.openxmlformats.org/drawingml/2006/diagram" xmlns:dsp="http://schemas.microsoft.com/office/drawing/2008/diagram" xmlns:a="http://schemas.openxmlformats.org/drawingml/2006/main">
-  <dsp:spTree>
-    <dsp:nvGrpSpPr>
-      <dsp:cNvPr id="0" name=""/>
-      <dsp:cNvGrpSpPr/>
-    </dsp:nvGrpSpPr>
-    <dsp:grpSpPr/>
-    <dsp:sp modelId="{0B6BF93D-7637-4BFB-883F-7DA5AC9D78CD}">
-      <dsp:nvSpPr>
-        <dsp:cNvPr id="0" name=""/>
-        <dsp:cNvSpPr/>
-      </dsp:nvSpPr>
-      <dsp:spPr>
-        <a:xfrm rot="21300000">
-          <a:off x="15827" y="1548784"/>
-          <a:ext cx="5126131" cy="587019"/>
-        </a:xfrm>
-        <a:prstGeom prst="mathMinus">
-          <a:avLst/>
-        </a:prstGeom>
-        <a:solidFill>
-          <a:schemeClr val="accent3">
-            <a:tint val="40000"/>
-            <a:hueOff val="0"/>
-            <a:satOff val="0"/>
-            <a:lumOff val="0"/>
-            <a:alphaOff val="0"/>
-          </a:schemeClr>
-        </a:solidFill>
-        <a:ln w="12700" cap="flat" cmpd="sng" algn="ctr">
-          <a:solidFill>
-            <a:schemeClr val="lt1">
-              <a:hueOff val="0"/>
-              <a:satOff val="0"/>
-              <a:lumOff val="0"/>
-              <a:alphaOff val="0"/>
-            </a:schemeClr>
-          </a:solidFill>
-          <a:prstDash val="solid"/>
-          <a:miter lim="800000"/>
-        </a:ln>
-        <a:effectLst/>
-      </dsp:spPr>
-      <dsp:style>
-        <a:lnRef idx="2">
-          <a:scrgbClr r="0" g="0" b="0"/>
-        </a:lnRef>
-        <a:fillRef idx="1">
-          <a:scrgbClr r="0" g="0" b="0"/>
-        </a:fillRef>
-        <a:effectRef idx="0">
-          <a:scrgbClr r="0" g="0" b="0"/>
-        </a:effectRef>
-        <a:fontRef idx="minor"/>
-      </dsp:style>
-    </dsp:sp>
-    <dsp:sp modelId="{93D85591-6821-4F53-8807-E188BF2D164C}">
-      <dsp:nvSpPr>
-        <dsp:cNvPr id="0" name=""/>
-        <dsp:cNvSpPr/>
-      </dsp:nvSpPr>
-      <dsp:spPr>
-        <a:xfrm>
-          <a:off x="618934" y="184229"/>
-          <a:ext cx="1547336" cy="1473835"/>
-        </a:xfrm>
-        <a:prstGeom prst="downArrow">
-          <a:avLst/>
-        </a:prstGeom>
-        <a:solidFill>
-          <a:schemeClr val="accent3">
-            <a:hueOff val="0"/>
-            <a:satOff val="0"/>
-            <a:lumOff val="0"/>
-            <a:alphaOff val="0"/>
-          </a:schemeClr>
-        </a:solidFill>
-        <a:ln w="12700" cap="flat" cmpd="sng" algn="ctr">
-          <a:solidFill>
-            <a:schemeClr val="lt1">
-              <a:hueOff val="0"/>
-              <a:satOff val="0"/>
-              <a:lumOff val="0"/>
-              <a:alphaOff val="0"/>
-            </a:schemeClr>
-          </a:solidFill>
-          <a:prstDash val="solid"/>
-          <a:miter lim="800000"/>
-        </a:ln>
-        <a:effectLst/>
-      </dsp:spPr>
-      <dsp:style>
-        <a:lnRef idx="2">
-          <a:scrgbClr r="0" g="0" b="0"/>
-        </a:lnRef>
-        <a:fillRef idx="1">
-          <a:scrgbClr r="0" g="0" b="0"/>
-        </a:fillRef>
-        <a:effectRef idx="0">
-          <a:scrgbClr r="0" g="0" b="0"/>
-        </a:effectRef>
-        <a:fontRef idx="minor">
-          <a:schemeClr val="lt1"/>
-        </a:fontRef>
-      </dsp:style>
-    </dsp:sp>
-    <dsp:sp modelId="{E5F12E74-2858-46CF-B26A-E68A354D6766}">
-      <dsp:nvSpPr>
-        <dsp:cNvPr id="0" name=""/>
-        <dsp:cNvSpPr/>
-      </dsp:nvSpPr>
-      <dsp:spPr>
-        <a:xfrm>
-          <a:off x="2491450" y="0"/>
-          <a:ext cx="2134845" cy="1547526"/>
-        </a:xfrm>
-        <a:prstGeom prst="rect">
-          <a:avLst/>
-        </a:prstGeom>
-        <a:noFill/>
-        <a:ln>
-          <a:noFill/>
-        </a:ln>
-        <a:effectLst/>
-      </dsp:spPr>
-      <dsp:style>
-        <a:lnRef idx="0">
-          <a:scrgbClr r="0" g="0" b="0"/>
-        </a:lnRef>
-        <a:fillRef idx="0">
-          <a:scrgbClr r="0" g="0" b="0"/>
-        </a:fillRef>
-        <a:effectRef idx="0">
-          <a:scrgbClr r="0" g="0" b="0"/>
-        </a:effectRef>
-        <a:fontRef idx="minor"/>
-      </dsp:style>
-      <dsp:txBody>
-        <a:bodyPr spcFirstLastPara="0" vert="horz" wrap="square" lIns="206248" tIns="206248" rIns="206248" bIns="206248" numCol="1" spcCol="1270" anchor="ctr" anchorCtr="0">
-          <a:noAutofit/>
-        </a:bodyPr>
-        <a:lstStyle/>
-        <a:p>
-          <a:pPr marL="0" lvl="0" indent="0" algn="ctr" defTabSz="1289050">
-            <a:lnSpc>
-              <a:spcPct val="90000"/>
-            </a:lnSpc>
-            <a:spcBef>
-              <a:spcPct val="0"/>
-            </a:spcBef>
-            <a:spcAft>
-              <a:spcPct val="35000"/>
-            </a:spcAft>
-            <a:buNone/>
-          </a:pPr>
-          <a:r>
-            <a:rPr lang="pt-PT" sz="2900" b="1" kern="1200">
-              <a:latin typeface="Abadi" panose="020B0604020104020204" pitchFamily="34" charset="0"/>
-            </a:rPr>
-            <a:t>Solicitado pelo Aluno</a:t>
-          </a:r>
-        </a:p>
-      </dsp:txBody>
-      <dsp:txXfrm>
-        <a:off x="2491450" y="0"/>
-        <a:ext cx="2134845" cy="1547526"/>
-      </dsp:txXfrm>
-    </dsp:sp>
-    <dsp:sp modelId="{F3F846F0-7D77-4FE7-A193-300C1B427409}">
-      <dsp:nvSpPr>
-        <dsp:cNvPr id="0" name=""/>
-        <dsp:cNvSpPr/>
-      </dsp:nvSpPr>
-      <dsp:spPr>
-        <a:xfrm>
-          <a:off x="2991516" y="2026523"/>
-          <a:ext cx="1547336" cy="1473835"/>
-        </a:xfrm>
-        <a:prstGeom prst="upArrow">
-          <a:avLst/>
-        </a:prstGeom>
-        <a:solidFill>
-          <a:schemeClr val="accent3">
-            <a:hueOff val="2710599"/>
-            <a:satOff val="100000"/>
-            <a:lumOff val="-14706"/>
-            <a:alphaOff val="0"/>
-          </a:schemeClr>
-        </a:solidFill>
-        <a:ln w="12700" cap="flat" cmpd="sng" algn="ctr">
-          <a:solidFill>
-            <a:schemeClr val="lt1">
-              <a:hueOff val="0"/>
-              <a:satOff val="0"/>
-              <a:lumOff val="0"/>
-              <a:alphaOff val="0"/>
-            </a:schemeClr>
-          </a:solidFill>
-          <a:prstDash val="solid"/>
-          <a:miter lim="800000"/>
-        </a:ln>
-        <a:effectLst/>
-      </dsp:spPr>
-      <dsp:style>
-        <a:lnRef idx="2">
-          <a:scrgbClr r="0" g="0" b="0"/>
-        </a:lnRef>
-        <a:fillRef idx="1">
-          <a:scrgbClr r="0" g="0" b="0"/>
-        </a:fillRef>
-        <a:effectRef idx="0">
-          <a:scrgbClr r="0" g="0" b="0"/>
-        </a:effectRef>
-        <a:fontRef idx="minor">
-          <a:schemeClr val="lt1"/>
-        </a:fontRef>
-      </dsp:style>
-    </dsp:sp>
-    <dsp:sp modelId="{101BE685-1F41-462D-8625-B80C2857E19C}">
-      <dsp:nvSpPr>
-        <dsp:cNvPr id="0" name=""/>
-        <dsp:cNvSpPr/>
-      </dsp:nvSpPr>
-      <dsp:spPr>
-        <a:xfrm>
-          <a:off x="338771" y="2137061"/>
-          <a:ext cx="2520284" cy="1547526"/>
-        </a:xfrm>
-        <a:prstGeom prst="rect">
-          <a:avLst/>
-        </a:prstGeom>
-        <a:noFill/>
-        <a:ln>
-          <a:noFill/>
-        </a:ln>
-        <a:effectLst/>
-      </dsp:spPr>
-      <dsp:style>
-        <a:lnRef idx="0">
-          <a:scrgbClr r="0" g="0" b="0"/>
-        </a:lnRef>
-        <a:fillRef idx="0">
-          <a:scrgbClr r="0" g="0" b="0"/>
-        </a:fillRef>
-        <a:effectRef idx="0">
-          <a:scrgbClr r="0" g="0" b="0"/>
-        </a:effectRef>
-        <a:fontRef idx="minor"/>
-      </dsp:style>
-      <dsp:txBody>
-        <a:bodyPr spcFirstLastPara="0" vert="horz" wrap="square" lIns="206248" tIns="206248" rIns="206248" bIns="206248" numCol="1" spcCol="1270" anchor="ctr" anchorCtr="0">
-          <a:noAutofit/>
-        </a:bodyPr>
-        <a:lstStyle/>
-        <a:p>
-          <a:pPr marL="0" lvl="0" indent="0" algn="ctr" defTabSz="1289050">
-            <a:lnSpc>
-              <a:spcPct val="90000"/>
-            </a:lnSpc>
-            <a:spcBef>
-              <a:spcPct val="0"/>
-            </a:spcBef>
-            <a:spcAft>
-              <a:spcPct val="35000"/>
-            </a:spcAft>
-            <a:buNone/>
-          </a:pPr>
-          <a:endParaRPr lang="pt-PT" sz="2900" b="1" kern="1200">
-            <a:latin typeface="Abadi" panose="020B0604020104020204" pitchFamily="34" charset="0"/>
-          </a:endParaRPr>
-        </a:p>
-      </dsp:txBody>
-      <dsp:txXfrm>
-        <a:off x="338771" y="2137061"/>
-        <a:ext cx="2520284" cy="1547526"/>
-      </dsp:txXfrm>
-    </dsp:sp>
-  </dsp:spTree>
-</dsp:drawing>
-</file>
-
-<file path=ppt/diagrams/layout1.xml><?xml version="1.0" encoding="utf-8"?>
-<dgm:layoutDef xmlns:dgm="http://schemas.openxmlformats.org/drawingml/2006/diagram" xmlns:a="http://schemas.openxmlformats.org/drawingml/2006/main" uniqueId="urn:microsoft.com/office/officeart/2005/8/layout/arrow3">
-  <dgm:title val=""/>
-  <dgm:desc val=""/>
-  <dgm:catLst>
-    <dgm:cat type="relationship" pri="5000"/>
-  </dgm:catLst>
-  <dgm:sampData>
-    <dgm:dataModel>
-      <dgm:ptLst>
-        <dgm:pt modelId="0" type="doc"/>
-        <dgm:pt modelId="1">
-          <dgm:prSet phldr="1"/>
-        </dgm:pt>
-        <dgm:pt modelId="2">
-          <dgm:prSet phldr="1"/>
-        </dgm:pt>
-      </dgm:ptLst>
-      <dgm:cxnLst>
-        <dgm:cxn modelId="4" srcId="0" destId="1" srcOrd="0" destOrd="0"/>
-        <dgm:cxn modelId="5" srcId="0" destId="2" srcOrd="1" destOrd="0"/>
-      </dgm:cxnLst>
-      <dgm:bg/>
-      <dgm:whole/>
-    </dgm:dataModel>
-  </dgm:sampData>
-  <dgm:styleData>
-    <dgm:dataModel>
-      <dgm:ptLst>
-        <dgm:pt modelId="0" type="doc"/>
-        <dgm:pt modelId="1"/>
-        <dgm:pt modelId="2"/>
-      </dgm:ptLst>
-      <dgm:cxnLst>
-        <dgm:cxn modelId="3" srcId="0" destId="1" srcOrd="0" destOrd="0"/>
-        <dgm:cxn modelId="4" srcId="0" destId="2" srcOrd="1" destOrd="0"/>
-      </dgm:cxnLst>
-      <dgm:bg/>
-      <dgm:whole/>
-    </dgm:dataModel>
-  </dgm:styleData>
-  <dgm:clrData>
-    <dgm:dataModel>
-      <dgm:ptLst>
-        <dgm:pt modelId="0" type="doc"/>
-        <dgm:pt modelId="1"/>
-        <dgm:pt modelId="2"/>
-      </dgm:ptLst>
-      <dgm:cxnLst>
-        <dgm:cxn modelId="3" srcId="0" destId="1" srcOrd="0" destOrd="0"/>
-        <dgm:cxn modelId="4" srcId="0" destId="2" srcOrd="1" destOrd="0"/>
-      </dgm:cxnLst>
-      <dgm:bg/>
-      <dgm:whole/>
-    </dgm:dataModel>
-  </dgm:clrData>
-  <dgm:layoutNode name="compositeShape">
-    <dgm:varLst>
-      <dgm:chMax val="2"/>
-      <dgm:dir/>
-      <dgm:resizeHandles val="exact"/>
-    </dgm:varLst>
-    <dgm:alg type="composite">
-      <dgm:param type="horzAlign" val="none"/>
-      <dgm:param type="vertAlign" val="none"/>
-    </dgm:alg>
-    <dgm:shape xmlns:r="http://schemas.openxmlformats.org/officeDocument/2006/relationships" r:blip="">
-      <dgm:adjLst/>
-    </dgm:shape>
-    <dgm:presOf/>
-    <dgm:choose name="Name0">
-      <dgm:if name="Name1" func="var" arg="dir" op="equ" val="norm">
-        <dgm:choose name="Name2">
-          <dgm:if name="Name3" axis="ch" ptType="node" func="cnt" op="gte" val="2">
-            <dgm:constrLst>
-              <dgm:constr type="w" for="ch" forName="divider" refType="w"/>
-              <dgm:constr type="h" for="ch" forName="divider" refType="w" fact="0.2"/>
-              <dgm:constr type="h" for="ch" forName="divider" refType="h" op="gte" fact="0.2"/>
-              <dgm:constr type="h" for="ch" forName="divider" refType="h" op="lte" fact="0.4"/>
-              <dgm:constr type="ctrX" for="ch" forName="divider" refType="w" fact="0.5"/>
-              <dgm:constr type="ctrY" for="ch" forName="divider" refType="h" fact="0.5"/>
-              <dgm:constr type="w" for="ch" forName="downArrow" refType="w" fact="0.3"/>
-              <dgm:constr type="h" for="ch" forName="downArrow" refType="h" fact="0.4"/>
-              <dgm:constr type="l" for="ch" forName="downArrow" refType="w" fact="0.1"/>
-              <dgm:constr type="t" for="ch" forName="downArrow" refType="h" fact="0.05"/>
-              <dgm:constr type="lOff" for="ch" forName="downArrow" refType="w" fact="0.02"/>
-              <dgm:constr type="w" for="ch" forName="downArrowText" refType="w" fact="0.32"/>
-              <dgm:constr type="h" for="ch" forName="downArrowText" refType="h" fact="0.42"/>
-              <dgm:constr type="t" for="ch" forName="downArrowText"/>
-              <dgm:constr type="r" for="ch" forName="downArrowText" refType="w" fact="0.85"/>
-              <dgm:constr type="w" for="ch" forName="upArrow" refType="w" fact="0.3"/>
-              <dgm:constr type="h" for="ch" forName="upArrow" refType="h" fact="0.4"/>
-              <dgm:constr type="b" for="ch" forName="upArrow" refType="h" fact="0.95"/>
-              <dgm:constr type="r" for="ch" forName="upArrow" refType="w" fact="0.9"/>
-              <dgm:constr type="rOff" for="ch" forName="upArrow" refType="w" fact="-0.02"/>
-              <dgm:constr type="w" for="ch" forName="upArrowText" refType="w" fact="0.32"/>
-              <dgm:constr type="h" for="ch" forName="upArrowText" refType="h" fact="0.42"/>
-              <dgm:constr type="b" for="ch" forName="upArrowText" refType="h"/>
-              <dgm:constr type="l" for="ch" forName="upArrowText" refType="w" fact="0.15"/>
-              <dgm:constr type="primFontSz" for="ch" ptType="node" op="equ" val="65"/>
-            </dgm:constrLst>
-          </dgm:if>
-          <dgm:else name="Name4">
-            <dgm:constrLst>
-              <dgm:constr type="w" for="ch" forName="downArrow" refType="w" fact="0.4"/>
-              <dgm:constr type="h" for="ch" forName="downArrow" refType="h" fact="0.8"/>
-              <dgm:constr type="l" for="ch" forName="downArrow" refType="w" fact="0.02"/>
-              <dgm:constr type="t" for="ch" forName="downArrow" refType="h" fact="0.05"/>
-              <dgm:constr type="lOff" for="ch" forName="downArrow" refType="w" fact="0.02"/>
-              <dgm:constr type="w" for="ch" forName="downArrowText" refType="w" fact="0.5"/>
-              <dgm:constr type="h" for="ch" forName="downArrowText" refType="h"/>
-              <dgm:constr type="t" for="ch" forName="downArrowText"/>
-              <dgm:constr type="r" for="ch" forName="downArrowText" refType="w"/>
-              <dgm:constr type="primFontSz" for="ch" ptType="node" op="equ" val="65"/>
-            </dgm:constrLst>
-          </dgm:else>
-        </dgm:choose>
-      </dgm:if>
-      <dgm:else name="Name5">
-        <dgm:choose name="Name6">
-          <dgm:if name="Name7" axis="ch" ptType="node" func="cnt" op="gte" val="2">
-            <dgm:constrLst>
-              <dgm:constr type="w" for="ch" forName="divider" refType="w"/>
-              <dgm:constr type="h" for="ch" forName="divider" refType="w" fact="0.2"/>
-              <dgm:constr type="h" for="ch" forName="divider" refType="h" op="gte" fact="0.2"/>
-              <dgm:constr type="h" for="ch" forName="divider" refType="h" op="lte" fact="0.4"/>
-              <dgm:constr type="ctrX" for="ch" forName="divider" refType="w" fact="0.5"/>
-              <dgm:constr type="ctrY" for="ch" forName="divider" refType="h" fact="0.5"/>
-              <dgm:constr type="w" for="ch" forName="downArrow" refType="w" fact="0.3"/>
-              <dgm:constr type="h" for="ch" forName="downArrow" refType="h" fact="0.4"/>
-              <dgm:constr type="r" for="ch" forName="downArrow" refType="w" fact="0.9"/>
-              <dgm:constr type="t" for="ch" forName="downArrow" refType="h" fact="0.05"/>
-              <dgm:constr type="rOff" for="ch" forName="downArrow" refType="w" fact="-0.02"/>
-              <dgm:constr type="w" for="ch" forName="downArrowText" refType="w" fact="0.32"/>
-              <dgm:constr type="h" for="ch" forName="downArrowText" refType="h" fact="0.42"/>
-              <dgm:constr type="t" for="ch" forName="downArrowText"/>
-              <dgm:constr type="l" for="ch" forName="downArrowText" refType="w" fact="0.15"/>
-              <dgm:constr type="w" for="ch" forName="upArrow" refType="w" fact="0.3"/>
-              <dgm:constr type="h" for="ch" forName="upArrow" refType="h" fact="0.4"/>
-              <dgm:constr type="b" for="ch" forName="upArrow" refType="h" fact="0.95"/>
-              <dgm:constr type="l" for="ch" forName="upArrow" refType="w" fact="0.1"/>
-              <dgm:constr type="lOff" for="ch" forName="upArrow" refType="w" fact="0.02"/>
-              <dgm:constr type="w" for="ch" forName="upArrowText" refType="w" fact="0.32"/>
-              <dgm:constr type="h" for="ch" forName="upArrowText" refType="h" fact="0.42"/>
-              <dgm:constr type="b" for="ch" forName="upArrowText" refType="h"/>
-              <dgm:constr type="r" for="ch" forName="upArrowText" refType="w" fact="0.85"/>
-              <dgm:constr type="primFontSz" for="ch" ptType="node" op="equ" val="65"/>
-            </dgm:constrLst>
-          </dgm:if>
-          <dgm:else name="Name8">
-            <dgm:constrLst>
-              <dgm:constr type="w" for="ch" forName="downArrow" refType="w" fact="0.4"/>
-              <dgm:constr type="h" for="ch" forName="downArrow" refType="h" fact="0.8"/>
-              <dgm:constr type="r" for="ch" forName="downArrow" refType="w" fact="0.98"/>
-              <dgm:constr type="t" for="ch" forName="downArrow" refType="h" fact="0.05"/>
-              <dgm:constr type="rOff" for="ch" forName="downArrow" refType="w" fact="-0.02"/>
-              <dgm:constr type="w" for="ch" forName="downArrowText" refType="w" fact="0.5"/>
-              <dgm:constr type="h" for="ch" forName="downArrowText" refType="h"/>
-              <dgm:constr type="t" for="ch" forName="downArrowText"/>
-              <dgm:constr type="l" for="ch" forName="downArrowText"/>
-              <dgm:constr type="primFontSz" for="ch" ptType="node" op="equ" val="65"/>
-            </dgm:constrLst>
-          </dgm:else>
-        </dgm:choose>
-      </dgm:else>
-    </dgm:choose>
-    <dgm:ruleLst/>
-    <dgm:choose name="Name9">
-      <dgm:if name="Name10" axis="ch" ptType="node" func="cnt" op="gte" val="2">
-        <dgm:layoutNode name="divider" styleLbl="fgShp">
-          <dgm:alg type="sp"/>
-          <dgm:choose name="Name11">
-            <dgm:if name="Name12" func="var" arg="dir" op="equ" val="norm">
-              <dgm:shape xmlns:r="http://schemas.openxmlformats.org/officeDocument/2006/relationships" rot="-5" type="mathMinus" r:blip="">
-                <dgm:adjLst/>
-              </dgm:shape>
-            </dgm:if>
-            <dgm:else name="Name13">
-              <dgm:shape xmlns:r="http://schemas.openxmlformats.org/officeDocument/2006/relationships" rot="5" type="mathMinus" r:blip="">
-                <dgm:adjLst/>
-              </dgm:shape>
-            </dgm:else>
-          </dgm:choose>
-          <dgm:presOf/>
-          <dgm:constrLst/>
-          <dgm:ruleLst/>
-        </dgm:layoutNode>
-      </dgm:if>
-      <dgm:else name="Name14"/>
-    </dgm:choose>
-    <dgm:forEach name="Name15" axis="ch" ptType="node" cnt="1">
-      <dgm:layoutNode name="downArrow" styleLbl="node1">
-        <dgm:alg type="sp"/>
-        <dgm:shape xmlns:r="http://schemas.openxmlformats.org/officeDocument/2006/relationships" type="downArrow" r:blip="">
-          <dgm:adjLst/>
-        </dgm:shape>
-        <dgm:presOf/>
-        <dgm:constrLst/>
-        <dgm:ruleLst/>
-      </dgm:layoutNode>
-      <dgm:layoutNode name="downArrowText" styleLbl="revTx">
-        <dgm:varLst>
-          <dgm:bulletEnabled val="1"/>
-        </dgm:varLst>
-        <dgm:alg type="tx">
-          <dgm:param type="txAnchorVertCh" val="mid"/>
-        </dgm:alg>
-        <dgm:shape xmlns:r="http://schemas.openxmlformats.org/officeDocument/2006/relationships" type="rect" r:blip="">
-          <dgm:adjLst/>
-        </dgm:shape>
-        <dgm:presOf axis="desOrSelf" ptType="node"/>
-        <dgm:constrLst/>
-        <dgm:ruleLst>
-          <dgm:rule type="primFontSz" val="5" fact="NaN" max="NaN"/>
-        </dgm:ruleLst>
-      </dgm:layoutNode>
-    </dgm:forEach>
-    <dgm:forEach name="Name16" axis="ch" ptType="node" st="2" cnt="1">
-      <dgm:layoutNode name="upArrow" styleLbl="node1">
-        <dgm:alg type="sp"/>
-        <dgm:shape xmlns:r="http://schemas.openxmlformats.org/officeDocument/2006/relationships" type="upArrow" r:blip="">
-          <dgm:adjLst/>
-        </dgm:shape>
-        <dgm:presOf/>
-        <dgm:constrLst/>
-        <dgm:ruleLst/>
-      </dgm:layoutNode>
-      <dgm:layoutNode name="upArrowText" styleLbl="revTx">
-        <dgm:varLst>
-          <dgm:bulletEnabled val="1"/>
-        </dgm:varLst>
-        <dgm:alg type="tx">
-          <dgm:param type="txAnchorVertCh" val="mid"/>
-        </dgm:alg>
-        <dgm:shape xmlns:r="http://schemas.openxmlformats.org/officeDocument/2006/relationships" type="rect" r:blip="">
-          <dgm:adjLst/>
-        </dgm:shape>
-        <dgm:presOf axis="desOrSelf" ptType="node"/>
-        <dgm:constrLst/>
-        <dgm:ruleLst>
-          <dgm:rule type="primFontSz" val="5" fact="NaN" max="NaN"/>
-        </dgm:ruleLst>
-      </dgm:layoutNode>
-    </dgm:forEach>
-  </dgm:layoutNode>
-</dgm:layoutDef>
-</file>
-
-<file path=ppt/diagrams/quickStyle1.xml><?xml version="1.0" encoding="utf-8"?>
-<dgm:styleDef xmlns:dgm="http://schemas.openxmlformats.org/drawingml/2006/diagram" xmlns:a="http://schemas.openxmlformats.org/drawingml/2006/main" uniqueId="urn:microsoft.com/office/officeart/2005/8/quickstyle/simple1">
-  <dgm:title val=""/>
-  <dgm:desc val=""/>
-  <dgm:catLst>
-    <dgm:cat type="simple" pri="10100"/>
-  </dgm:catLst>
-  <dgm:scene3d>
-    <a:camera prst="orthographicFront"/>
-    <a:lightRig rig="threePt" dir="t"/>
-  </dgm:scene3d>
-  <dgm:styleLbl name="node0">
-    <dgm:scene3d>
-      <a:camera prst="orthographicFront"/>
-      <a:lightRig rig="threePt" dir="t"/>
-    </dgm:scene3d>
-    <dgm:sp3d/>
-    <dgm:txPr/>
-    <dgm:style>
-      <a:lnRef idx="2">
-        <a:scrgbClr r="0" g="0" b="0"/>
-      </a:lnRef>
-      <a:fillRef idx="1">
-        <a:scrgbClr r="0" g="0" b="0"/>
-      </a:fillRef>
-      <a:effectRef idx="0">
-        <a:scrgbClr r="0" g="0" b="0"/>
-      </a:effectRef>
-      <a:fontRef idx="minor">
-        <a:schemeClr val="lt1"/>
-      </a:fontRef>
-    </dgm:style>
-  </dgm:styleLbl>
-  <dgm:styleLbl name="lnNode1">
-    <dgm:scene3d>
-      <a:camera prst="orthographicFront"/>
-      <a:lightRig rig="threePt" dir="t"/>
-    </dgm:scene3d>
-    <dgm:sp3d/>
-    <dgm:txPr/>
-    <dgm:style>
-      <a:lnRef idx="2">
-        <a:scrgbClr r="0" g="0" b="0"/>
-      </a:lnRef>
-      <a:fillRef idx="1">
-        <a:scrgbClr r="0" g="0" b="0"/>
-      </a:fillRef>
-      <a:effectRef idx="0">
-        <a:scrgbClr r="0" g="0" b="0"/>
-      </a:effectRef>
-      <a:fontRef idx="minor">
-        <a:schemeClr val="lt1"/>
-      </a:fontRef>
-    </dgm:style>
-  </dgm:styleLbl>
-  <dgm:styleLbl name="vennNode1">
-    <dgm:scene3d>
-      <a:camera prst="orthographicFront"/>
-      <a:lightRig rig="threePt" dir="t"/>
-    </dgm:scene3d>
-    <dgm:sp3d/>
-    <dgm:txPr/>
-    <dgm:style>
-      <a:lnRef idx="2">
-        <a:scrgbClr r="0" g="0" b="0"/>
-      </a:lnRef>
-      <a:fillRef idx="1">
-        <a:scrgbClr r="0" g="0" b="0"/>
-      </a:fillRef>
-      <a:effectRef idx="0">
-        <a:scrgbClr r="0" g="0" b="0"/>
-      </a:effectRef>
-      <a:fontRef idx="minor">
-        <a:schemeClr val="tx1"/>
-      </a:fontRef>
-    </dgm:style>
-  </dgm:styleLbl>
-  <dgm:styleLbl name="alignNode1">
-    <dgm:scene3d>
-      <a:camera prst="orthographicFront"/>
-      <a:lightRig rig="threePt" dir="t"/>
-    </dgm:scene3d>
-    <dgm:sp3d/>
-    <dgm:txPr/>
-    <dgm:style>
-      <a:lnRef idx="2">
-        <a:scrgbClr r="0" g="0" b="0"/>
-      </a:lnRef>
-      <a:fillRef idx="1">
-        <a:scrgbClr r="0" g="0" b="0"/>
-      </a:fillRef>
-      <a:effectRef idx="0">
-        <a:scrgbClr r="0" g="0" b="0"/>
-      </a:effectRef>
-      <a:fontRef idx="minor">
-        <a:schemeClr val="lt1"/>
-      </a:fontRef>
-    </dgm:style>
-  </dgm:styleLbl>
-  <dgm:styleLbl name="node1">
-    <dgm:scene3d>
-      <a:camera prst="orthographicFront"/>
-      <a:lightRig rig="threePt" dir="t"/>
-    </dgm:scene3d>
-    <dgm:sp3d/>
-    <dgm:txPr/>
-    <dgm:style>
-      <a:lnRef idx="2">
-        <a:scrgbClr r="0" g="0" b="0"/>
-      </a:lnRef>
-      <a:fillRef idx="1">
-        <a:scrgbClr r="0" g="0" b="0"/>
-      </a:fillRef>
-      <a:effectRef idx="0">
-        <a:scrgbClr r="0" g="0" b="0"/>
-      </a:effectRef>
-      <a:fontRef idx="minor">
-        <a:schemeClr val="lt1"/>
-      </a:fontRef>
-    </dgm:style>
-  </dgm:styleLbl>
-  <dgm:styleLbl name="node2">
-    <dgm:scene3d>
-      <a:camera prst="orthographicFront"/>
-      <a:lightRig rig="threePt" dir="t"/>
-    </dgm:scene3d>
-    <dgm:sp3d/>
-    <dgm:txPr/>
-    <dgm:style>
-      <a:lnRef idx="2">
-        <a:scrgbClr r="0" g="0" b="0"/>
-      </a:lnRef>
-      <a:fillRef idx="1">
-        <a:scrgbClr r="0" g="0" b="0"/>
-      </a:fillRef>
-      <a:effectRef idx="0">
-        <a:scrgbClr r="0" g="0" b="0"/>
-      </a:effectRef>
-      <a:fontRef idx="minor">
-        <a:schemeClr val="lt1"/>
-      </a:fontRef>
-    </dgm:style>
-  </dgm:styleLbl>
-  <dgm:styleLbl name="node3">
-    <dgm:scene3d>
-      <a:camera prst="orthographicFront"/>
-      <a:lightRig rig="threePt" dir="t"/>
-    </dgm:scene3d>
-    <dgm:sp3d/>
-    <dgm:txPr/>
-    <dgm:style>
-      <a:lnRef idx="2">
-        <a:scrgbClr r="0" g="0" b="0"/>
-      </a:lnRef>
-      <a:fillRef idx="1">
-        <a:scrgbClr r="0" g="0" b="0"/>
-      </a:fillRef>
-      <a:effectRef idx="0">
-        <a:scrgbClr r="0" g="0" b="0"/>
-      </a:effectRef>
-      <a:fontRef idx="minor">
-        <a:schemeClr val="lt1"/>
-      </a:fontRef>
-    </dgm:style>
-  </dgm:styleLbl>
-  <dgm:styleLbl name="node4">
-    <dgm:scene3d>
-      <a:camera prst="orthographicFront"/>
-      <a:lightRig rig="threePt" dir="t"/>
-    </dgm:scene3d>
-    <dgm:sp3d/>
-    <dgm:txPr/>
-    <dgm:style>
-      <a:lnRef idx="2">
-        <a:scrgbClr r="0" g="0" b="0"/>
-      </a:lnRef>
-      <a:fillRef idx="1">
-        <a:scrgbClr r="0" g="0" b="0"/>
-      </a:fillRef>
-      <a:effectRef idx="0">
-        <a:scrgbClr r="0" g="0" b="0"/>
-      </a:effectRef>
-      <a:fontRef idx="minor">
-        <a:schemeClr val="lt1"/>
-      </a:fontRef>
-    </dgm:style>
-  </dgm:styleLbl>
-  <dgm:styleLbl name="fgImgPlace1">
-    <dgm:scene3d>
-      <a:camera prst="orthographicFront"/>
-      <a:lightRig rig="threePt" dir="t"/>
-    </dgm:scene3d>
-    <dgm:sp3d/>
-    <dgm:txPr/>
-    <dgm:style>
-      <a:lnRef idx="2">
-        <a:scrgbClr r="0" g="0" b="0"/>
-      </a:lnRef>
-      <a:fillRef idx="1">
-        <a:scrgbClr r="0" g="0" b="0"/>
-      </a:fillRef>
-      <a:effectRef idx="0">
-        <a:scrgbClr r="0" g="0" b="0"/>
-      </a:effectRef>
-      <a:fontRef idx="minor"/>
-    </dgm:style>
-  </dgm:styleLbl>
-  <dgm:styleLbl name="alignImgPlace1">
-    <dgm:scene3d>
-      <a:camera prst="orthographicFront"/>
-      <a:lightRig rig="threePt" dir="t"/>
-    </dgm:scene3d>
-    <dgm:sp3d/>
-    <dgm:txPr/>
-    <dgm:style>
-      <a:lnRef idx="2">
-        <a:scrgbClr r="0" g="0" b="0"/>
-      </a:lnRef>
-      <a:fillRef idx="1">
-        <a:scrgbClr r="0" g="0" b="0"/>
-      </a:fillRef>
-      <a:effectRef idx="0">
-        <a:scrgbClr r="0" g="0" b="0"/>
-      </a:effectRef>
-      <a:fontRef idx="minor"/>
-    </dgm:style>
-  </dgm:styleLbl>
-  <dgm:styleLbl name="bgImgPlace1">
-    <dgm:scene3d>
-      <a:camera prst="orthographicFront"/>
-      <a:lightRig rig="threePt" dir="t"/>
-    </dgm:scene3d>
-    <dgm:sp3d/>
-    <dgm:txPr/>
-    <dgm:style>
-      <a:lnRef idx="2">
-        <a:scrgbClr r="0" g="0" b="0"/>
-      </a:lnRef>
-      <a:fillRef idx="1">
-        <a:scrgbClr r="0" g="0" b="0"/>
-      </a:fillRef>
-      <a:effectRef idx="0">
-        <a:scrgbClr r="0" g="0" b="0"/>
-      </a:effectRef>
-      <a:fontRef idx="minor"/>
-    </dgm:style>
-  </dgm:styleLbl>
-  <dgm:styleLbl name="sibTrans2D1">
-    <dgm:scene3d>
-      <a:camera prst="orthographicFront"/>
-      <a:lightRig rig="threePt" dir="t"/>
-    </dgm:scene3d>
-    <dgm:sp3d/>
-    <dgm:txPr/>
-    <dgm:style>
-      <a:lnRef idx="0">
-        <a:scrgbClr r="0" g="0" b="0"/>
-      </a:lnRef>
-      <a:fillRef idx="1">
-        <a:scrgbClr r="0" g="0" b="0"/>
-      </a:fillRef>
-      <a:effectRef idx="0">
-        <a:scrgbClr r="0" g="0" b="0"/>
-      </a:effectRef>
-      <a:fontRef idx="minor">
-        <a:schemeClr val="lt1"/>
-      </a:fontRef>
-    </dgm:style>
-  </dgm:styleLbl>
-  <dgm:styleLbl name="fgSibTrans2D1">
-    <dgm:scene3d>
-      <a:camera prst="orthographicFront"/>
-      <a:lightRig rig="threePt" dir="t"/>
-    </dgm:scene3d>
-    <dgm:sp3d/>
-    <dgm:txPr/>
-    <dgm:style>
-      <a:lnRef idx="0">
-        <a:scrgbClr r="0" g="0" b="0"/>
-      </a:lnRef>
-      <a:fillRef idx="1">
-        <a:scrgbClr r="0" g="0" b="0"/>
-      </a:fillRef>
-      <a:effectRef idx="0">
-        <a:scrgbClr r="0" g="0" b="0"/>
-      </a:effectRef>
-      <a:fontRef idx="minor">
-        <a:schemeClr val="lt1"/>
-      </a:fontRef>
-    </dgm:style>
-  </dgm:styleLbl>
-  <dgm:styleLbl name="bgSibTrans2D1">
-    <dgm:scene3d>
-      <a:camera prst="orthographicFront"/>
-      <a:lightRig rig="threePt" dir="t"/>
-    </dgm:scene3d>
-    <dgm:sp3d/>
-    <dgm:txPr/>
-    <dgm:style>
-      <a:lnRef idx="0">
-        <a:scrgbClr r="0" g="0" b="0"/>
-      </a:lnRef>
-      <a:fillRef idx="1">
-        <a:scrgbClr r="0" g="0" b="0"/>
-      </a:fillRef>
-      <a:effectRef idx="0">
-        <a:scrgbClr r="0" g="0" b="0"/>
-      </a:effectRef>
-      <a:fontRef idx="minor">
-        <a:schemeClr val="lt1"/>
-      </a:fontRef>
-    </dgm:style>
-  </dgm:styleLbl>
-  <dgm:styleLbl name="sibTrans1D1">
-    <dgm:scene3d>
-      <a:camera prst="orthographicFront"/>
-      <a:lightRig rig="threePt" dir="t"/>
-    </dgm:scene3d>
-    <dgm:sp3d/>
-    <dgm:txPr/>
-    <dgm:style>
-      <a:lnRef idx="1">
-        <a:scrgbClr r="0" g="0" b="0"/>
-      </a:lnRef>
-      <a:fillRef idx="0">
-        <a:scrgbClr r="0" g="0" b="0"/>
-      </a:fillRef>
-      <a:effectRef idx="0">
-        <a:scrgbClr r="0" g="0" b="0"/>
-      </a:effectRef>
-      <a:fontRef idx="minor"/>
-    </dgm:style>
-  </dgm:styleLbl>
-  <dgm:styleLbl name="callout">
-    <dgm:scene3d>
-      <a:camera prst="orthographicFront"/>
-      <a:lightRig rig="threePt" dir="t"/>
-    </dgm:scene3d>
-    <dgm:sp3d/>
-    <dgm:txPr/>
-    <dgm:style>
-      <a:lnRef idx="2">
-        <a:scrgbClr r="0" g="0" b="0"/>
-      </a:lnRef>
-      <a:fillRef idx="1">
-        <a:scrgbClr r="0" g="0" b="0"/>
-      </a:fillRef>
-      <a:effectRef idx="0">
-        <a:scrgbClr r="0" g="0" b="0"/>
-      </a:effectRef>
-      <a:fontRef idx="minor"/>
-    </dgm:style>
-  </dgm:styleLbl>
-  <dgm:styleLbl name="asst0">
-    <dgm:scene3d>
-      <a:camera prst="orthographicFront"/>
-      <a:lightRig rig="threePt" dir="t"/>
-    </dgm:scene3d>
-    <dgm:sp3d/>
-    <dgm:txPr/>
-    <dgm:style>
-      <a:lnRef idx="2">
-        <a:scrgbClr r="0" g="0" b="0"/>
-      </a:lnRef>
-      <a:fillRef idx="1">
-        <a:scrgbClr r="0" g="0" b="0"/>
-      </a:fillRef>
-      <a:effectRef idx="0">
-        <a:scrgbClr r="0" g="0" b="0"/>
-      </a:effectRef>
-      <a:fontRef idx="minor">
-        <a:schemeClr val="lt1"/>
-      </a:fontRef>
-    </dgm:style>
-  </dgm:styleLbl>
-  <dgm:styleLbl name="asst1">
-    <dgm:scene3d>
-      <a:camera prst="orthographicFront"/>
-      <a:lightRig rig="threePt" dir="t"/>
-    </dgm:scene3d>
-    <dgm:sp3d/>
-    <dgm:txPr/>
-    <dgm:style>
-      <a:lnRef idx="2">
-        <a:scrgbClr r="0" g="0" b="0"/>
-      </a:lnRef>
-      <a:fillRef idx="1">
-        <a:scrgbClr r="0" g="0" b="0"/>
-      </a:fillRef>
-      <a:effectRef idx="0">
-        <a:scrgbClr r="0" g="0" b="0"/>
-      </a:effectRef>
-      <a:fontRef idx="minor">
-        <a:schemeClr val="lt1"/>
-      </a:fontRef>
-    </dgm:style>
-  </dgm:styleLbl>
-  <dgm:styleLbl name="asst2">
-    <dgm:scene3d>
-      <a:camera prst="orthographicFront"/>
-      <a:lightRig rig="threePt" dir="t"/>
-    </dgm:scene3d>
-    <dgm:sp3d/>
-    <dgm:txPr/>
-    <dgm:style>
-      <a:lnRef idx="2">
-        <a:scrgbClr r="0" g="0" b="0"/>
-      </a:lnRef>
-      <a:fillRef idx="1">
-        <a:scrgbClr r="0" g="0" b="0"/>
-      </a:fillRef>
-      <a:effectRef idx="0">
-        <a:scrgbClr r="0" g="0" b="0"/>
-      </a:effectRef>
-      <a:fontRef idx="minor">
-        <a:schemeClr val="lt1"/>
-      </a:fontRef>
-    </dgm:style>
-  </dgm:styleLbl>
-  <dgm:styleLbl name="asst3">
-    <dgm:scene3d>
-      <a:camera prst="orthographicFront"/>
-      <a:lightRig rig="threePt" dir="t"/>
-    </dgm:scene3d>
-    <dgm:sp3d/>
-    <dgm:txPr/>
-    <dgm:style>
-      <a:lnRef idx="2">
-        <a:scrgbClr r="0" g="0" b="0"/>
-      </a:lnRef>
-      <a:fillRef idx="1">
-        <a:scrgbClr r="0" g="0" b="0"/>
-      </a:fillRef>
-      <a:effectRef idx="0">
-        <a:scrgbClr r="0" g="0" b="0"/>
-      </a:effectRef>
-      <a:fontRef idx="minor">
-        <a:schemeClr val="lt1"/>
-      </a:fontRef>
-    </dgm:style>
-  </dgm:styleLbl>
-  <dgm:styleLbl name="asst4">
-    <dgm:scene3d>
-      <a:camera prst="orthographicFront"/>
-      <a:lightRig rig="threePt" dir="t"/>
-    </dgm:scene3d>
-    <dgm:sp3d/>
-    <dgm:txPr/>
-    <dgm:style>
-      <a:lnRef idx="2">
-        <a:scrgbClr r="0" g="0" b="0"/>
-      </a:lnRef>
-      <a:fillRef idx="1">
-        <a:scrgbClr r="0" g="0" b="0"/>
-      </a:fillRef>
-      <a:effectRef idx="0">
-        <a:scrgbClr r="0" g="0" b="0"/>
-      </a:effectRef>
-      <a:fontRef idx="minor">
-        <a:schemeClr val="lt1"/>
-      </a:fontRef>
-    </dgm:style>
-  </dgm:styleLbl>
-  <dgm:styleLbl name="parChTrans2D1">
-    <dgm:scene3d>
-      <a:camera prst="orthographicFront"/>
-      <a:lightRig rig="threePt" dir="t"/>
-    </dgm:scene3d>
-    <dgm:sp3d/>
-    <dgm:txPr/>
-    <dgm:style>
-      <a:lnRef idx="2">
-        <a:scrgbClr r="0" g="0" b="0"/>
-      </a:lnRef>
-      <a:fillRef idx="1">
-        <a:scrgbClr r="0" g="0" b="0"/>
-      </a:fillRef>
-      <a:effectRef idx="0">
-        <a:scrgbClr r="0" g="0" b="0"/>
-      </a:effectRef>
-      <a:fontRef idx="minor">
-        <a:schemeClr val="lt1"/>
-      </a:fontRef>
-    </dgm:style>
-  </dgm:styleLbl>
-  <dgm:styleLbl name="parChTrans2D2">
-    <dgm:scene3d>
-      <a:camera prst="orthographicFront"/>
-      <a:lightRig rig="threePt" dir="t"/>
-    </dgm:scene3d>
-    <dgm:sp3d/>
-    <dgm:txPr/>
-    <dgm:style>
-      <a:lnRef idx="2">
-        <a:scrgbClr r="0" g="0" b="0"/>
-      </a:lnRef>
-      <a:fillRef idx="1">
-        <a:scrgbClr r="0" g="0" b="0"/>
-      </a:fillRef>
-      <a:effectRef idx="0">
-        <a:scrgbClr r="0" g="0" b="0"/>
-      </a:effectRef>
-      <a:fontRef idx="minor">
-        <a:schemeClr val="lt1"/>
-      </a:fontRef>
-    </dgm:style>
-  </dgm:styleLbl>
-  <dgm:styleLbl name="parChTrans2D3">
-    <dgm:scene3d>
-      <a:camera prst="orthographicFront"/>
-      <a:lightRig rig="threePt" dir="t"/>
-    </dgm:scene3d>
-    <dgm:sp3d/>
-    <dgm:txPr/>
-    <dgm:style>
-      <a:lnRef idx="2">
-        <a:scrgbClr r="0" g="0" b="0"/>
-      </a:lnRef>
-      <a:fillRef idx="1">
-        <a:scrgbClr r="0" g="0" b="0"/>
-      </a:fillRef>
-      <a:effectRef idx="0">
-        <a:scrgbClr r="0" g="0" b="0"/>
-      </a:effectRef>
-      <a:fontRef idx="minor">
-        <a:schemeClr val="lt1"/>
-      </a:fontRef>
-    </dgm:style>
-  </dgm:styleLbl>
-  <dgm:styleLbl name="parChTrans2D4">
-    <dgm:scene3d>
-      <a:camera prst="orthographicFront"/>
-      <a:lightRig rig="threePt" dir="t"/>
-    </dgm:scene3d>
-    <dgm:sp3d/>
-    <dgm:txPr/>
-    <dgm:style>
-      <a:lnRef idx="2">
-        <a:scrgbClr r="0" g="0" b="0"/>
-      </a:lnRef>
-      <a:fillRef idx="1">
-        <a:scrgbClr r="0" g="0" b="0"/>
-      </a:fillRef>
-      <a:effectRef idx="0">
-        <a:scrgbClr r="0" g="0" b="0"/>
-      </a:effectRef>
-      <a:fontRef idx="minor">
-        <a:schemeClr val="lt1"/>
-      </a:fontRef>
-    </dgm:style>
-  </dgm:styleLbl>
-  <dgm:styleLbl name="parChTrans1D1">
-    <dgm:scene3d>
-      <a:camera prst="orthographicFront"/>
-      <a:lightRig rig="threePt" dir="t"/>
-    </dgm:scene3d>
-    <dgm:sp3d/>
-    <dgm:txPr/>
-    <dgm:style>
-      <a:lnRef idx="2">
-        <a:scrgbClr r="0" g="0" b="0"/>
-      </a:lnRef>
-      <a:fillRef idx="0">
-        <a:scrgbClr r="0" g="0" b="0"/>
-      </a:fillRef>
-      <a:effectRef idx="0">
-        <a:scrgbClr r="0" g="0" b="0"/>
-      </a:effectRef>
-      <a:fontRef idx="minor"/>
-    </dgm:style>
-  </dgm:styleLbl>
-  <dgm:styleLbl name="parChTrans1D2">
-    <dgm:scene3d>
-      <a:camera prst="orthographicFront"/>
-      <a:lightRig rig="threePt" dir="t"/>
-    </dgm:scene3d>
-    <dgm:sp3d/>
-    <dgm:txPr/>
-    <dgm:style>
-      <a:lnRef idx="2">
-        <a:scrgbClr r="0" g="0" b="0"/>
-      </a:lnRef>
-      <a:fillRef idx="0">
-        <a:scrgbClr r="0" g="0" b="0"/>
-      </a:fillRef>
-      <a:effectRef idx="0">
-        <a:scrgbClr r="0" g="0" b="0"/>
-      </a:effectRef>
-      <a:fontRef idx="minor"/>
-    </dgm:style>
-  </dgm:styleLbl>
-  <dgm:styleLbl name="parChTrans1D3">
-    <dgm:scene3d>
-      <a:camera prst="orthographicFront"/>
-      <a:lightRig rig="threePt" dir="t"/>
-    </dgm:scene3d>
-    <dgm:sp3d/>
-    <dgm:txPr/>
-    <dgm:style>
-      <a:lnRef idx="2">
-        <a:scrgbClr r="0" g="0" b="0"/>
-      </a:lnRef>
-      <a:fillRef idx="0">
-        <a:scrgbClr r="0" g="0" b="0"/>
-      </a:fillRef>
-      <a:effectRef idx="0">
-        <a:scrgbClr r="0" g="0" b="0"/>
-      </a:effectRef>
-      <a:fontRef idx="minor"/>
-    </dgm:style>
-  </dgm:styleLbl>
-  <dgm:styleLbl name="parChTrans1D4">
-    <dgm:scene3d>
-      <a:camera prst="orthographicFront"/>
-      <a:lightRig rig="threePt" dir="t"/>
-    </dgm:scene3d>
-    <dgm:sp3d/>
-    <dgm:txPr/>
-    <dgm:style>
-      <a:lnRef idx="2">
-        <a:scrgbClr r="0" g="0" b="0"/>
-      </a:lnRef>
-      <a:fillRef idx="0">
-        <a:scrgbClr r="0" g="0" b="0"/>
-      </a:fillRef>
-      <a:effectRef idx="0">
-        <a:scrgbClr r="0" g="0" b="0"/>
-      </a:effectRef>
-      <a:fontRef idx="minor"/>
-    </dgm:style>
-  </dgm:styleLbl>
-  <dgm:styleLbl name="fgAcc1">
-    <dgm:scene3d>
-      <a:camera prst="orthographicFront"/>
-      <a:lightRig rig="threePt" dir="t"/>
-    </dgm:scene3d>
-    <dgm:sp3d/>
-    <dgm:txPr/>
-    <dgm:style>
-      <a:lnRef idx="2">
-        <a:scrgbClr r="0" g="0" b="0"/>
-      </a:lnRef>
-      <a:fillRef idx="1">
-        <a:scrgbClr r="0" g="0" b="0"/>
-      </a:fillRef>
-      <a:effectRef idx="0">
-        <a:scrgbClr r="0" g="0" b="0"/>
-      </a:effectRef>
-      <a:fontRef idx="minor"/>
-    </dgm:style>
-  </dgm:styleLbl>
-  <dgm:styleLbl name="conFgAcc1">
-    <dgm:scene3d>
-      <a:camera prst="orthographicFront"/>
-      <a:lightRig rig="threePt" dir="t"/>
-    </dgm:scene3d>
-    <dgm:sp3d/>
-    <dgm:txPr/>
-    <dgm:style>
-      <a:lnRef idx="2">
-        <a:scrgbClr r="0" g="0" b="0"/>
-      </a:lnRef>
-      <a:fillRef idx="1">
-        <a:scrgbClr r="0" g="0" b="0"/>
-      </a:fillRef>
-      <a:effectRef idx="0">
-        <a:scrgbClr r="0" g="0" b="0"/>
-      </a:effectRef>
-      <a:fontRef idx="minor"/>
-    </dgm:style>
-  </dgm:styleLbl>
-  <dgm:styleLbl name="alignAcc1">
-    <dgm:scene3d>
-      <a:camera prst="orthographicFront"/>
-      <a:lightRig rig="threePt" dir="t"/>
-    </dgm:scene3d>
-    <dgm:sp3d/>
-    <dgm:txPr/>
-    <dgm:style>
-      <a:lnRef idx="2">
-        <a:scrgbClr r="0" g="0" b="0"/>
-      </a:lnRef>
-      <a:fillRef idx="1">
-        <a:scrgbClr r="0" g="0" b="0"/>
-      </a:fillRef>
-      <a:effectRef idx="0">
-        <a:scrgbClr r="0" g="0" b="0"/>
-      </a:effectRef>
-      <a:fontRef idx="minor"/>
-    </dgm:style>
-  </dgm:styleLbl>
-  <dgm:styleLbl name="trAlignAcc1">
-    <dgm:scene3d>
-      <a:camera prst="orthographicFront"/>
-      <a:lightRig rig="threePt" dir="t"/>
-    </dgm:scene3d>
-    <dgm:sp3d/>
-    <dgm:txPr/>
-    <dgm:style>
-      <a:lnRef idx="1">
-        <a:scrgbClr r="0" g="0" b="0"/>
-      </a:lnRef>
-      <a:fillRef idx="1">
-        <a:scrgbClr r="0" g="0" b="0"/>
-      </a:fillRef>
-      <a:effectRef idx="0">
-        <a:scrgbClr r="0" g="0" b="0"/>
-      </a:effectRef>
-      <a:fontRef idx="minor"/>
-    </dgm:style>
-  </dgm:styleLbl>
-  <dgm:styleLbl name="bgAcc1">
-    <dgm:scene3d>
-      <a:camera prst="orthographicFront"/>
-      <a:lightRig rig="threePt" dir="t"/>
-    </dgm:scene3d>
-    <dgm:sp3d/>
-    <dgm:txPr/>
-    <dgm:style>
-      <a:lnRef idx="2">
-        <a:scrgbClr r="0" g="0" b="0"/>
-      </a:lnRef>
-      <a:fillRef idx="1">
-        <a:scrgbClr r="0" g="0" b="0"/>
-      </a:fillRef>
-      <a:effectRef idx="0">
-        <a:scrgbClr r="0" g="0" b="0"/>
-      </a:effectRef>
-      <a:fontRef idx="minor"/>
-    </dgm:style>
-  </dgm:styleLbl>
-  <dgm:styleLbl name="solidFgAcc1">
-    <dgm:scene3d>
-      <a:camera prst="orthographicFront"/>
-      <a:lightRig rig="threePt" dir="t"/>
-    </dgm:scene3d>
-    <dgm:sp3d/>
-    <dgm:txPr/>
-    <dgm:style>
-      <a:lnRef idx="2">
-        <a:scrgbClr r="0" g="0" b="0"/>
-      </a:lnRef>
-      <a:fillRef idx="1">
-        <a:scrgbClr r="0" g="0" b="0"/>
-      </a:fillRef>
-      <a:effectRef idx="0">
-        <a:scrgbClr r="0" g="0" b="0"/>
-      </a:effectRef>
-      <a:fontRef idx="minor"/>
-    </dgm:style>
-  </dgm:styleLbl>
-  <dgm:styleLbl name="solidAlignAcc1">
-    <dgm:scene3d>
-      <a:camera prst="orthographicFront"/>
-      <a:lightRig rig="threePt" dir="t"/>
-    </dgm:scene3d>
-    <dgm:sp3d/>
-    <dgm:txPr/>
-    <dgm:style>
-      <a:lnRef idx="2">
-        <a:scrgbClr r="0" g="0" b="0"/>
-      </a:lnRef>
-      <a:fillRef idx="1">
-        <a:scrgbClr r="0" g="0" b="0"/>
-      </a:fillRef>
-      <a:effectRef idx="0">
-        <a:scrgbClr r="0" g="0" b="0"/>
-      </a:effectRef>
-      <a:fontRef idx="minor"/>
-    </dgm:style>
-  </dgm:styleLbl>
-  <dgm:styleLbl name="solidBgAcc1">
-    <dgm:scene3d>
-      <a:camera prst="orthographicFront"/>
-      <a:lightRig rig="threePt" dir="t"/>
-    </dgm:scene3d>
-    <dgm:sp3d/>
-    <dgm:txPr/>
-    <dgm:style>
-      <a:lnRef idx="2">
-        <a:scrgbClr r="0" g="0" b="0"/>
-      </a:lnRef>
-      <a:fillRef idx="1">
-        <a:scrgbClr r="0" g="0" b="0"/>
-      </a:fillRef>
-      <a:effectRef idx="0">
-        <a:scrgbClr r="0" g="0" b="0"/>
-      </a:effectRef>
-      <a:fontRef idx="minor"/>
-    </dgm:style>
-  </dgm:styleLbl>
-  <dgm:styleLbl name="fgAccFollowNode1">
-    <dgm:scene3d>
-      <a:camera prst="orthographicFront"/>
-      <a:lightRig rig="threePt" dir="t"/>
-    </dgm:scene3d>
-    <dgm:sp3d/>
-    <dgm:txPr/>
-    <dgm:style>
-      <a:lnRef idx="2">
-        <a:scrgbClr r="0" g="0" b="0"/>
-      </a:lnRef>
-      <a:fillRef idx="1">
-        <a:scrgbClr r="0" g="0" b="0"/>
-      </a:fillRef>
-      <a:effectRef idx="0">
-        <a:scrgbClr r="0" g="0" b="0"/>
-      </a:effectRef>
-      <a:fontRef idx="minor"/>
-    </dgm:style>
-  </dgm:styleLbl>
-  <dgm:styleLbl name="alignAccFollowNode1">
-    <dgm:scene3d>
-      <a:camera prst="orthographicFront"/>
-      <a:lightRig rig="threePt" dir="t"/>
-    </dgm:scene3d>
-    <dgm:sp3d/>
-    <dgm:txPr/>
-    <dgm:style>
-      <a:lnRef idx="2">
-        <a:scrgbClr r="0" g="0" b="0"/>
-      </a:lnRef>
-      <a:fillRef idx="1">
-        <a:scrgbClr r="0" g="0" b="0"/>
-      </a:fillRef>
-      <a:effectRef idx="0">
-        <a:scrgbClr r="0" g="0" b="0"/>
-      </a:effectRef>
-      <a:fontRef idx="minor"/>
-    </dgm:style>
-  </dgm:styleLbl>
-  <dgm:styleLbl name="bgAccFollowNode1">
-    <dgm:scene3d>
-      <a:camera prst="orthographicFront"/>
-      <a:lightRig rig="threePt" dir="t"/>
-    </dgm:scene3d>
-    <dgm:sp3d/>
-    <dgm:txPr/>
-    <dgm:style>
-      <a:lnRef idx="2">
-        <a:scrgbClr r="0" g="0" b="0"/>
-      </a:lnRef>
-      <a:fillRef idx="1">
-        <a:scrgbClr r="0" g="0" b="0"/>
-      </a:fillRef>
-      <a:effectRef idx="0">
-        <a:scrgbClr r="0" g="0" b="0"/>
-      </a:effectRef>
-      <a:fontRef idx="minor"/>
-    </dgm:style>
-  </dgm:styleLbl>
-  <dgm:styleLbl name="fgAcc0">
-    <dgm:scene3d>
-      <a:camera prst="orthographicFront"/>
-      <a:lightRig rig="threePt" dir="t"/>
-    </dgm:scene3d>
-    <dgm:sp3d/>
-    <dgm:txPr/>
-    <dgm:style>
-      <a:lnRef idx="2">
-        <a:scrgbClr r="0" g="0" b="0"/>
-      </a:lnRef>
-      <a:fillRef idx="1">
-        <a:scrgbClr r="0" g="0" b="0"/>
-      </a:fillRef>
-      <a:effectRef idx="0">
-        <a:scrgbClr r="0" g="0" b="0"/>
-      </a:effectRef>
-      <a:fontRef idx="minor"/>
-    </dgm:style>
-  </dgm:styleLbl>
-  <dgm:styleLbl name="fgAcc2">
-    <dgm:scene3d>
-      <a:camera prst="orthographicFront"/>
-      <a:lightRig rig="threePt" dir="t"/>
-    </dgm:scene3d>
-    <dgm:sp3d/>
-    <dgm:txPr/>
-    <dgm:style>
-      <a:lnRef idx="2">
-        <a:scrgbClr r="0" g="0" b="0"/>
-      </a:lnRef>
-      <a:fillRef idx="1">
-        <a:scrgbClr r="0" g="0" b="0"/>
-      </a:fillRef>
-      <a:effectRef idx="0">
-        <a:scrgbClr r="0" g="0" b="0"/>
-      </a:effectRef>
-      <a:fontRef idx="minor"/>
-    </dgm:style>
-  </dgm:styleLbl>
-  <dgm:styleLbl name="fgAcc3">
-    <dgm:scene3d>
-      <a:camera prst="orthographicFront"/>
-      <a:lightRig rig="threePt" dir="t"/>
-    </dgm:scene3d>
-    <dgm:sp3d/>
-    <dgm:txPr/>
-    <dgm:style>
-      <a:lnRef idx="2">
-        <a:scrgbClr r="0" g="0" b="0"/>
-      </a:lnRef>
-      <a:fillRef idx="1">
-        <a:scrgbClr r="0" g="0" b="0"/>
-      </a:fillRef>
-      <a:effectRef idx="0">
-        <a:scrgbClr r="0" g="0" b="0"/>
-      </a:effectRef>
-      <a:fontRef idx="minor"/>
-    </dgm:style>
-  </dgm:styleLbl>
-  <dgm:styleLbl name="fgAcc4">
-    <dgm:scene3d>
-      <a:camera prst="orthographicFront"/>
-      <a:lightRig rig="threePt" dir="t"/>
-    </dgm:scene3d>
-    <dgm:sp3d/>
-    <dgm:txPr/>
-    <dgm:style>
-      <a:lnRef idx="2">
-        <a:scrgbClr r="0" g="0" b="0"/>
-      </a:lnRef>
-      <a:fillRef idx="1">
-        <a:scrgbClr r="0" g="0" b="0"/>
-      </a:fillRef>
-      <a:effectRef idx="0">
-        <a:scrgbClr r="0" g="0" b="0"/>
-      </a:effectRef>
-      <a:fontRef idx="minor"/>
-    </dgm:style>
-  </dgm:styleLbl>
-  <dgm:styleLbl name="bgShp">
-    <dgm:scene3d>
-      <a:camera prst="orthographicFront"/>
-      <a:lightRig rig="threePt" dir="t"/>
-    </dgm:scene3d>
-    <dgm:sp3d/>
-    <dgm:txPr/>
-    <dgm:style>
-      <a:lnRef idx="0">
-        <a:scrgbClr r="0" g="0" b="0"/>
-      </a:lnRef>
-      <a:fillRef idx="1">
-        <a:scrgbClr r="0" g="0" b="0"/>
-      </a:fillRef>
-      <a:effectRef idx="0">
-        <a:scrgbClr r="0" g="0" b="0"/>
-      </a:effectRef>
-      <a:fontRef idx="minor"/>
-    </dgm:style>
-  </dgm:styleLbl>
-  <dgm:styleLbl name="dkBgShp">
-    <dgm:scene3d>
-      <a:camera prst="orthographicFront"/>
-      <a:lightRig rig="threePt" dir="t"/>
-    </dgm:scene3d>
-    <dgm:sp3d/>
-    <dgm:txPr/>
-    <dgm:style>
-      <a:lnRef idx="0">
-        <a:scrgbClr r="0" g="0" b="0"/>
-      </a:lnRef>
-      <a:fillRef idx="1">
-        <a:scrgbClr r="0" g="0" b="0"/>
-      </a:fillRef>
-      <a:effectRef idx="0">
-        <a:scrgbClr r="0" g="0" b="0"/>
-      </a:effectRef>
-      <a:fontRef idx="minor"/>
-    </dgm:style>
-  </dgm:styleLbl>
-  <dgm:styleLbl name="trBgShp">
-    <dgm:scene3d>
-      <a:camera prst="orthographicFront"/>
-      <a:lightRig rig="threePt" dir="t"/>
-    </dgm:scene3d>
-    <dgm:sp3d/>
-    <dgm:txPr/>
-    <dgm:style>
-      <a:lnRef idx="0">
-        <a:scrgbClr r="0" g="0" b="0"/>
-      </a:lnRef>
-      <a:fillRef idx="1">
-        <a:scrgbClr r="0" g="0" b="0"/>
-      </a:fillRef>
-      <a:effectRef idx="0">
-        <a:scrgbClr r="0" g="0" b="0"/>
-      </a:effectRef>
-      <a:fontRef idx="minor"/>
-    </dgm:style>
-  </dgm:styleLbl>
-  <dgm:styleLbl name="fgShp">
-    <dgm:scene3d>
-      <a:camera prst="orthographicFront"/>
-      <a:lightRig rig="threePt" dir="t"/>
-    </dgm:scene3d>
-    <dgm:sp3d/>
-    <dgm:txPr/>
-    <dgm:style>
-      <a:lnRef idx="2">
-        <a:scrgbClr r="0" g="0" b="0"/>
-      </a:lnRef>
-      <a:fillRef idx="1">
-        <a:scrgbClr r="0" g="0" b="0"/>
-      </a:fillRef>
-      <a:effectRef idx="0">
-        <a:scrgbClr r="0" g="0" b="0"/>
-      </a:effectRef>
-      <a:fontRef idx="minor"/>
-    </dgm:style>
-  </dgm:styleLbl>
-  <dgm:styleLbl name="revTx">
-    <dgm:scene3d>
-      <a:camera prst="orthographicFront"/>
-      <a:lightRig rig="threePt" dir="t"/>
-    </dgm:scene3d>
-    <dgm:sp3d/>
-    <dgm:txPr/>
-    <dgm:style>
-      <a:lnRef idx="0">
-        <a:scrgbClr r="0" g="0" b="0"/>
-      </a:lnRef>
-      <a:fillRef idx="0">
-        <a:scrgbClr r="0" g="0" b="0"/>
-      </a:fillRef>
-      <a:effectRef idx="0">
-        <a:scrgbClr r="0" g="0" b="0"/>
-      </a:effectRef>
-      <a:fontRef idx="minor"/>
-    </dgm:style>
-  </dgm:styleLbl>
-</dgm:styleDef>
-</file>
-
 <file path=ppt/notesMasters/notesMaster1.xml><?xml version="1.0" encoding="utf-8"?>
 <p:notesMaster xmlns:a="http://schemas.openxmlformats.org/drawingml/2006/main" xmlns:r="http://schemas.openxmlformats.org/officeDocument/2006/relationships" xmlns:p="http://schemas.openxmlformats.org/presentationml/2006/main">
   <p:cSld>
@@ -2706,7 +210,7 @@
           <a:p>
             <a:fld id="{BB7473FD-8AEC-4BBB-94CD-37B0EC6A8AB7}" type="datetimeFigureOut">
               <a:rPr lang="pt-PT" smtClean="0"/>
-              <a:t>05/06/2024</a:t>
+              <a:t>05/06/24</a:t>
             </a:fld>
             <a:endParaRPr lang="pt-PT"/>
           </a:p>
@@ -3017,82 +521,39 @@
           <a:bodyPr/>
           <a:lstStyle/>
           <a:p>
-            <a:pPr>
-              <a:lnSpc>
-                <a:spcPct val="107000"/>
-              </a:lnSpc>
-              <a:spcAft>
-                <a:spcPts val="800"/>
-              </a:spcAft>
-            </a:pPr>
-            <a:r>
-              <a:rPr lang="pt-PT" sz="1800" kern="100">
-                <a:effectLst/>
-                <a:latin typeface="Calibri" panose="020F0502020204030204" pitchFamily="34" charset="0"/>
-                <a:ea typeface="Calibri" panose="020F0502020204030204" pitchFamily="34" charset="0"/>
-                <a:cs typeface="Times New Roman" panose="02020603050405020304" pitchFamily="18" charset="0"/>
-              </a:rPr>
-              <a:t>O nosso grupo vem apresentar o “</a:t>
-            </a:r>
-            <a:r>
-              <a:rPr lang="pt-PT" sz="1800" kern="100" err="1">
-                <a:effectLst/>
-                <a:latin typeface="Calibri" panose="020F0502020204030204" pitchFamily="34" charset="0"/>
-                <a:ea typeface="Calibri" panose="020F0502020204030204" pitchFamily="34" charset="0"/>
-                <a:cs typeface="Times New Roman" panose="02020603050405020304" pitchFamily="18" charset="0"/>
-              </a:rPr>
-              <a:t>easyerasmus</a:t>
-            </a:r>
-            <a:r>
-              <a:rPr lang="pt-PT" sz="1800" kern="100">
-                <a:effectLst/>
-                <a:latin typeface="Calibri" panose="020F0502020204030204" pitchFamily="34" charset="0"/>
-                <a:ea typeface="Calibri" panose="020F0502020204030204" pitchFamily="34" charset="0"/>
-                <a:cs typeface="Times New Roman" panose="02020603050405020304" pitchFamily="18" charset="0"/>
-              </a:rPr>
-              <a:t>". Este projeto representa a nossa visão dedicada a simplificar e melhorar a experiência dos estudantes universitários que desejam participar no programa Erasmus.</a:t>
-            </a:r>
-          </a:p>
-          <a:p>
-            <a:pPr>
-              <a:lnSpc>
-                <a:spcPct val="107000"/>
-              </a:lnSpc>
-              <a:spcAft>
-                <a:spcPts val="800"/>
-              </a:spcAft>
-            </a:pPr>
-            <a:r>
-              <a:rPr lang="pt-PT" sz="1800" kern="100">
-                <a:effectLst/>
-                <a:latin typeface="Calibri" panose="020F0502020204030204" pitchFamily="34" charset="0"/>
-                <a:ea typeface="Calibri" panose="020F0502020204030204" pitchFamily="34" charset="0"/>
-                <a:cs typeface="Times New Roman" panose="02020603050405020304" pitchFamily="18" charset="0"/>
-              </a:rPr>
-              <a:t> </a:t>
-            </a:r>
-          </a:p>
-          <a:p>
-            <a:pPr>
-              <a:lnSpc>
-                <a:spcPct val="107000"/>
-              </a:lnSpc>
-              <a:spcAft>
-                <a:spcPts val="800"/>
-              </a:spcAft>
-            </a:pPr>
-            <a:r>
-              <a:rPr lang="pt-PT" sz="1800" kern="100">
-                <a:effectLst/>
-                <a:latin typeface="Calibri" panose="020F0502020204030204" pitchFamily="34" charset="0"/>
-                <a:ea typeface="Calibri" panose="020F0502020204030204" pitchFamily="34" charset="0"/>
-                <a:cs typeface="Times New Roman" panose="02020603050405020304" pitchFamily="18" charset="0"/>
-              </a:rPr>
-              <a:t>Nesta apresentação, detalharemos os componentes-chave do projeto, suas principais funcionalidades e como a nossa abordagem a este tema busca transformar a experiência do programa Erasmus. </a:t>
-            </a:r>
-          </a:p>
-          <a:p>
-            <a:endParaRPr lang="pt-PT"/>
+            <a:r>
+              <a:rPr lang="pt-PT" dirty="0"/>
+              <a:t>O </a:t>
+            </a:r>
+            <a:r>
+              <a:rPr lang="pt-PT" dirty="0" err="1"/>
+              <a:t>easy</a:t>
+            </a:r>
+            <a:r>
+              <a:rPr lang="pt-PT" dirty="0"/>
+              <a:t> </a:t>
+            </a:r>
+            <a:r>
+              <a:rPr lang="pt-PT" dirty="0" err="1"/>
+              <a:t>erasmus</a:t>
+            </a:r>
+            <a:r>
+              <a:rPr lang="pt-PT" dirty="0"/>
+              <a:t> vem facilitar a forma como recebemos a informação relativa ao </a:t>
+            </a:r>
+            <a:r>
+              <a:rPr lang="pt-PT" dirty="0" err="1"/>
+              <a:t>erasmus</a:t>
+            </a:r>
+            <a:r>
+              <a:rPr lang="pt-PT" dirty="0"/>
+              <a:t>. As universidades podem criar esses programas de mobilidade ou </a:t>
+            </a:r>
+            <a:r>
+              <a:rPr lang="pt-PT" dirty="0" err="1"/>
+              <a:t>erasmus</a:t>
+            </a:r>
+            <a:endParaRPr lang="pt-PT" dirty="0"/>
           </a:p>
         </p:txBody>
       </p:sp>
@@ -3176,101 +637,7 @@
           <a:bodyPr/>
           <a:lstStyle/>
           <a:p>
-            <a:pPr>
-              <a:lnSpc>
-                <a:spcPct val="107000"/>
-              </a:lnSpc>
-              <a:spcAft>
-                <a:spcPts val="800"/>
-              </a:spcAft>
-            </a:pPr>
-            <a:r>
-              <a:rPr lang="pt-PT" sz="1800" kern="100">
-                <a:effectLst/>
-                <a:latin typeface="Calibri" panose="020F0502020204030204" pitchFamily="34" charset="0"/>
-                <a:ea typeface="Calibri" panose="020F0502020204030204" pitchFamily="34" charset="0"/>
-                <a:cs typeface="Times New Roman" panose="02020603050405020304" pitchFamily="18" charset="0"/>
-              </a:rPr>
-              <a:t> </a:t>
-            </a:r>
-          </a:p>
-          <a:p>
-            <a:pPr marL="342900" lvl="0" indent="-342900">
-              <a:lnSpc>
-                <a:spcPct val="115000"/>
-              </a:lnSpc>
-              <a:buFont typeface="Symbol" panose="05050102010706020507" pitchFamily="18" charset="2"/>
-              <a:buChar char=""/>
-            </a:pPr>
-            <a:r>
-              <a:rPr lang="pt-PT" sz="1800" kern="100">
-                <a:effectLst/>
-                <a:latin typeface="Aptos" panose="020B0004020202020204" pitchFamily="34" charset="0"/>
-                <a:ea typeface="Aptos" panose="020B0004020202020204" pitchFamily="34" charset="0"/>
-                <a:cs typeface="Times New Roman" panose="02020603050405020304" pitchFamily="18" charset="0"/>
-              </a:rPr>
-              <a:t>Fornecer uma interface simples e intuitiva para que tanto os estudantes como as instituições tenham facilidade em navegar pelo </a:t>
-            </a:r>
-            <a:r>
-              <a:rPr lang="pt-PT" sz="1800" kern="100" err="1">
-                <a:effectLst/>
-                <a:latin typeface="Aptos" panose="020B0004020202020204" pitchFamily="34" charset="0"/>
-                <a:ea typeface="Aptos" panose="020B0004020202020204" pitchFamily="34" charset="0"/>
-                <a:cs typeface="Times New Roman" panose="02020603050405020304" pitchFamily="18" charset="0"/>
-              </a:rPr>
-              <a:t>easyerasmus</a:t>
-            </a:r>
-            <a:r>
-              <a:rPr lang="pt-PT" sz="1800" kern="100">
-                <a:effectLst/>
-                <a:latin typeface="Aptos" panose="020B0004020202020204" pitchFamily="34" charset="0"/>
-                <a:ea typeface="Aptos" panose="020B0004020202020204" pitchFamily="34" charset="0"/>
-                <a:cs typeface="Times New Roman" panose="02020603050405020304" pitchFamily="18" charset="0"/>
-              </a:rPr>
-              <a:t>.</a:t>
-            </a:r>
-          </a:p>
-          <a:p>
-            <a:pPr marL="342900" lvl="0" indent="-342900">
-              <a:lnSpc>
-                <a:spcPct val="115000"/>
-              </a:lnSpc>
-              <a:buFont typeface="Symbol" panose="05050102010706020507" pitchFamily="18" charset="2"/>
-              <a:buChar char=""/>
-            </a:pPr>
-            <a:r>
-              <a:rPr lang="pt-PT" sz="1800" kern="100">
-                <a:effectLst/>
-                <a:latin typeface="Aptos" panose="020B0004020202020204" pitchFamily="34" charset="0"/>
-                <a:ea typeface="Aptos" panose="020B0004020202020204" pitchFamily="34" charset="0"/>
-                <a:cs typeface="Times New Roman" panose="02020603050405020304" pitchFamily="18" charset="0"/>
-              </a:rPr>
-              <a:t>Tornar mais fácil a seleção de universidades ao estudante consoante o programa de ERASMUS onde quer participar.</a:t>
-            </a:r>
-          </a:p>
-          <a:p>
-            <a:pPr marL="342900" lvl="0" indent="-342900">
-              <a:lnSpc>
-                <a:spcPct val="115000"/>
-              </a:lnSpc>
-              <a:spcAft>
-                <a:spcPts val="800"/>
-              </a:spcAft>
-              <a:buFont typeface="Symbol" panose="05050102010706020507" pitchFamily="18" charset="2"/>
-              <a:buChar char=""/>
-            </a:pPr>
-            <a:r>
-              <a:rPr lang="pt-PT" sz="1800" kern="100">
-                <a:effectLst/>
-                <a:latin typeface="Aptos" panose="020B0004020202020204" pitchFamily="34" charset="0"/>
-                <a:ea typeface="Aptos" panose="020B0004020202020204" pitchFamily="34" charset="0"/>
-                <a:cs typeface="Times New Roman" panose="02020603050405020304" pitchFamily="18" charset="0"/>
-              </a:rPr>
-              <a:t>Incentivar as universidades a fazer parte deste website para demonstrarem apoio a esta experiência que os seus estudantes podem vivenciar </a:t>
-            </a:r>
-          </a:p>
-          <a:p>
-            <a:endParaRPr lang="pt-PT"/>
+            <a:endParaRPr lang="pt-PT" dirty="0"/>
           </a:p>
         </p:txBody>
       </p:sp>
@@ -3300,7 +667,7 @@
     </p:spTree>
     <p:extLst>
       <p:ext uri="{BB962C8B-B14F-4D97-AF65-F5344CB8AC3E}">
-        <p14:creationId xmlns:p14="http://schemas.microsoft.com/office/powerpoint/2010/main" val="4118179035"/>
+        <p14:creationId xmlns:p14="http://schemas.microsoft.com/office/powerpoint/2010/main" val="2507958228"/>
       </p:ext>
     </p:extLst>
   </p:cSld>
@@ -3354,34 +721,6 @@
           <a:bodyPr/>
           <a:lstStyle/>
           <a:p>
-            <a:pPr marL="0" marR="0" lvl="0" indent="0" algn="l" defTabSz="914400" rtl="0" eaLnBrk="1" fontAlgn="auto" latinLnBrk="0" hangingPunct="1">
-              <a:lnSpc>
-                <a:spcPct val="100000"/>
-              </a:lnSpc>
-              <a:spcBef>
-                <a:spcPts val="0"/>
-              </a:spcBef>
-              <a:spcAft>
-                <a:spcPts val="0"/>
-              </a:spcAft>
-              <a:buClrTx/>
-              <a:buSzTx/>
-              <a:buFontTx/>
-              <a:buNone/>
-              <a:tabLst/>
-              <a:defRPr/>
-            </a:pPr>
-            <a:r>
-              <a:rPr lang="pt-PT" sz="1200" kern="100">
-                <a:effectLst/>
-                <a:latin typeface="Calibri" panose="020F0502020204030204" pitchFamily="34" charset="0"/>
-                <a:ea typeface="Calibri" panose="020F0502020204030204" pitchFamily="34" charset="0"/>
-                <a:cs typeface="Times New Roman" panose="02020603050405020304" pitchFamily="18" charset="0"/>
-              </a:rPr>
-              <a:t>O site é destinado a estudantes universitários entre 18 e 25 anos, o programa Erasmus concentra-se nas necessidades e interesses desta faixa etária que vão em busca de oportunidades educacionais e de enriquecimento pessoal.</a:t>
-            </a:r>
-          </a:p>
-          <a:p>
             <a:endParaRPr lang="pt-PT"/>
           </a:p>
         </p:txBody>
@@ -3412,7 +751,7 @@
     </p:spTree>
     <p:extLst>
       <p:ext uri="{BB962C8B-B14F-4D97-AF65-F5344CB8AC3E}">
-        <p14:creationId xmlns:p14="http://schemas.microsoft.com/office/powerpoint/2010/main" val="2407820390"/>
+        <p14:creationId xmlns:p14="http://schemas.microsoft.com/office/powerpoint/2010/main" val="1672563865"/>
       </p:ext>
     </p:extLst>
   </p:cSld>
@@ -3441,7 +780,7 @@
       </p:grpSpPr>
       <p:sp>
         <p:nvSpPr>
-          <p:cNvPr id="2" name="Marcador de Posição da Imagem do Diapositivo 1"/>
+          <p:cNvPr id="2" name="Slide Image Placeholder 1"/>
           <p:cNvSpPr>
             <a:spLocks noGrp="1" noRot="1" noChangeAspect="1"/>
           </p:cNvSpPr>
@@ -3453,7 +792,7 @@
       </p:sp>
       <p:sp>
         <p:nvSpPr>
-          <p:cNvPr id="3" name="Marcador de Posição de Notas 2"/>
+          <p:cNvPr id="3" name="Notes Placeholder 2"/>
           <p:cNvSpPr>
             <a:spLocks noGrp="1"/>
           </p:cNvSpPr>
@@ -3466,77 +805,406 @@
           <a:bodyPr/>
           <a:lstStyle/>
           <a:p>
-            <a:pPr marL="0" marR="0" lvl="0" indent="0" algn="l" defTabSz="914400" rtl="0" eaLnBrk="1" fontAlgn="auto" latinLnBrk="0" hangingPunct="1">
-              <a:lnSpc>
-                <a:spcPct val="100000"/>
-              </a:lnSpc>
-              <a:spcBef>
-                <a:spcPts val="0"/>
-              </a:spcBef>
-              <a:spcAft>
-                <a:spcPts val="0"/>
-              </a:spcAft>
-              <a:buClrTx/>
-              <a:buSzTx/>
-              <a:buFontTx/>
-              <a:buNone/>
-              <a:tabLst/>
-              <a:defRPr/>
+            <a:pPr lvl="0" algn="l" fontAlgn="base">
+              <a:buFont typeface="+mj-lt"/>
+              <a:buAutoNum type="arabicPeriod"/>
             </a:pPr>
             <a:r>
-              <a:rPr lang="pt-PT" sz="1200" kern="100">
+              <a:rPr lang="en-GB" b="0" i="0" dirty="0">
                 <a:effectLst/>
-                <a:latin typeface="Calibri" panose="020F0502020204030204" pitchFamily="34" charset="0"/>
-                <a:ea typeface="Calibri" panose="020F0502020204030204" pitchFamily="34" charset="0"/>
-                <a:cs typeface="Times New Roman" panose="02020603050405020304" pitchFamily="18" charset="0"/>
+                <a:latin typeface="inherit"/>
               </a:rPr>
-              <a:t>A ideia central por trás do "</a:t>
-            </a:r>
-            <a:r>
-              <a:rPr lang="pt-PT" sz="1200" kern="100" err="1">
+              <a:t>user </a:t>
+            </a:r>
+            <a:r>
+              <a:rPr lang="en-GB" b="0" i="0" dirty="0" err="1">
                 <a:effectLst/>
-                <a:latin typeface="Calibri" panose="020F0502020204030204" pitchFamily="34" charset="0"/>
-                <a:ea typeface="Calibri" panose="020F0502020204030204" pitchFamily="34" charset="0"/>
-                <a:cs typeface="Times New Roman" panose="02020603050405020304" pitchFamily="18" charset="0"/>
+                <a:latin typeface="inherit"/>
               </a:rPr>
-              <a:t>easyerasmus</a:t>
-            </a:r>
-            <a:r>
-              <a:rPr lang="pt-PT" sz="1200" kern="100">
+              <a:t>envia</a:t>
+            </a:r>
+            <a:r>
+              <a:rPr lang="en-GB" b="0" i="0" dirty="0">
                 <a:effectLst/>
-                <a:latin typeface="Calibri" panose="020F0502020204030204" pitchFamily="34" charset="0"/>
-                <a:ea typeface="Calibri" panose="020F0502020204030204" pitchFamily="34" charset="0"/>
-                <a:cs typeface="Times New Roman" panose="02020603050405020304" pitchFamily="18" charset="0"/>
+                <a:latin typeface="inherit"/>
               </a:rPr>
-              <a:t>" é oferecer uma plataforma que acolha universidades e respetivos estudantes, permitindo que os responsáveis dos departamentos de mobilidade forneçam a informação sobre os programas disponíveis, tal como mantenham essa informação sempre atualizada. Os estudantes apenas precisam de se registar no site para terem acesso à informação que lhes é relevante. Temos também um </a:t>
-            </a:r>
-            <a:r>
-              <a:rPr lang="pt-PT" sz="1200" kern="100" err="1">
+              <a:t> </a:t>
+            </a:r>
+            <a:r>
+              <a:rPr lang="en-GB" b="0" i="0" dirty="0" err="1">
                 <a:effectLst/>
-                <a:latin typeface="Calibri" panose="020F0502020204030204" pitchFamily="34" charset="0"/>
-                <a:ea typeface="Calibri" panose="020F0502020204030204" pitchFamily="34" charset="0"/>
-                <a:cs typeface="Times New Roman" panose="02020603050405020304" pitchFamily="18" charset="0"/>
+                <a:latin typeface="inherit"/>
               </a:rPr>
-              <a:t>chatbot</a:t>
-            </a:r>
-            <a:r>
-              <a:rPr lang="pt-PT" sz="1200" kern="100">
+              <a:t>requisição</a:t>
+            </a:r>
+            <a:br>
+              <a:rPr lang="en-GB" b="0" i="0" dirty="0">
                 <a:effectLst/>
-                <a:latin typeface="Calibri" panose="020F0502020204030204" pitchFamily="34" charset="0"/>
-                <a:ea typeface="Calibri" panose="020F0502020204030204" pitchFamily="34" charset="0"/>
-                <a:cs typeface="Times New Roman" panose="02020603050405020304" pitchFamily="18" charset="0"/>
+                <a:latin typeface="inherit"/>
               </a:rPr>
-              <a:t> que visa tirar algumas dúvidas rápidas que possam ter surgido no momento.</a:t>
-            </a:r>
-          </a:p>
-          <a:p>
-            <a:endParaRPr lang="pt-PT"/>
-          </a:p>
-        </p:txBody>
-      </p:sp>
-      <p:sp>
-        <p:nvSpPr>
-          <p:cNvPr id="4" name="Marcador de Posição do Número do Diapositivo 3"/>
+            </a:br>
+            <a:r>
+              <a:rPr lang="en-GB" b="0" i="0" dirty="0">
+                <a:effectLst/>
+                <a:latin typeface="inherit"/>
+              </a:rPr>
+              <a:t>2 .</a:t>
+            </a:r>
+            <a:r>
+              <a:rPr lang="en-GB" b="0" i="0" dirty="0" err="1">
+                <a:effectLst/>
+                <a:latin typeface="inherit"/>
+              </a:rPr>
+              <a:t>Servidor</a:t>
+            </a:r>
+            <a:r>
+              <a:rPr lang="en-GB" b="0" i="0" dirty="0">
+                <a:effectLst/>
+                <a:latin typeface="inherit"/>
+              </a:rPr>
+              <a:t>  </a:t>
+            </a:r>
+            <a:r>
+              <a:rPr lang="en-GB" b="0" i="0" dirty="0" err="1">
+                <a:effectLst/>
+                <a:latin typeface="inherit"/>
+              </a:rPr>
+              <a:t>recebe</a:t>
+            </a:r>
+            <a:r>
+              <a:rPr lang="en-GB" b="0" i="0" dirty="0">
+                <a:effectLst/>
+                <a:latin typeface="inherit"/>
+              </a:rPr>
+              <a:t> a </a:t>
+            </a:r>
+            <a:r>
+              <a:rPr lang="en-GB" b="0" i="0" dirty="0" err="1">
+                <a:effectLst/>
+                <a:latin typeface="inherit"/>
+              </a:rPr>
+              <a:t>requisição</a:t>
+            </a:r>
+            <a:r>
+              <a:rPr lang="en-GB" b="0" i="0" dirty="0">
+                <a:effectLst/>
+                <a:latin typeface="inherit"/>
+              </a:rPr>
+              <a:t> </a:t>
+            </a:r>
+            <a:r>
+              <a:rPr lang="en-GB" b="0" i="0" dirty="0" err="1">
+                <a:effectLst/>
+                <a:latin typeface="inherit"/>
+              </a:rPr>
+              <a:t>encaminha</a:t>
+            </a:r>
+            <a:r>
+              <a:rPr lang="en-GB" b="0" i="0" dirty="0">
+                <a:effectLst/>
+                <a:latin typeface="inherit"/>
+              </a:rPr>
+              <a:t> para a route </a:t>
+            </a:r>
+            <a:r>
+              <a:rPr lang="en-GB" b="0" i="0" dirty="0" err="1">
+                <a:effectLst/>
+                <a:latin typeface="inherit"/>
+              </a:rPr>
+              <a:t>apropriada</a:t>
+            </a:r>
+            <a:br>
+              <a:rPr lang="en-GB" b="0" i="0" dirty="0">
+                <a:effectLst/>
+                <a:latin typeface="inherit"/>
+              </a:rPr>
+            </a:br>
+            <a:r>
+              <a:rPr lang="en-GB" b="0" i="0" dirty="0">
+                <a:effectLst/>
+                <a:latin typeface="inherit"/>
+              </a:rPr>
+              <a:t>3. Route chama o </a:t>
+            </a:r>
+            <a:r>
+              <a:rPr lang="en-GB" b="0" i="0" dirty="0" err="1">
+                <a:effectLst/>
+                <a:latin typeface="inherit"/>
+              </a:rPr>
+              <a:t>método</a:t>
+            </a:r>
+            <a:r>
+              <a:rPr lang="en-GB" b="0" i="0" dirty="0">
+                <a:effectLst/>
+                <a:latin typeface="inherit"/>
+              </a:rPr>
+              <a:t> </a:t>
+            </a:r>
+            <a:r>
+              <a:rPr lang="en-GB" b="0" i="0" dirty="0" err="1">
+                <a:effectLst/>
+                <a:latin typeface="inherit"/>
+              </a:rPr>
+              <a:t>correspondente</a:t>
+            </a:r>
+            <a:r>
+              <a:rPr lang="en-GB" b="0" i="0" dirty="0">
+                <a:effectLst/>
+                <a:latin typeface="inherit"/>
+              </a:rPr>
+              <a:t> </a:t>
+            </a:r>
+            <a:r>
+              <a:rPr lang="en-GB" b="0" i="0" dirty="0" err="1">
+                <a:effectLst/>
+                <a:latin typeface="inherit"/>
+              </a:rPr>
+              <a:t>ao</a:t>
+            </a:r>
+            <a:r>
+              <a:rPr lang="en-GB" b="0" i="0" dirty="0">
+                <a:effectLst/>
+                <a:latin typeface="inherit"/>
+              </a:rPr>
+              <a:t> model</a:t>
+            </a:r>
+            <a:br>
+              <a:rPr lang="en-GB" b="0" i="0" dirty="0">
+                <a:effectLst/>
+                <a:latin typeface="inherit"/>
+              </a:rPr>
+            </a:br>
+            <a:r>
+              <a:rPr lang="en-GB" b="0" i="0" dirty="0">
+                <a:effectLst/>
+                <a:latin typeface="inherit"/>
+              </a:rPr>
+              <a:t>4. Model </a:t>
+            </a:r>
+            <a:r>
+              <a:rPr lang="en-GB" b="0" i="0" dirty="0" err="1">
+                <a:effectLst/>
+                <a:latin typeface="inherit"/>
+              </a:rPr>
+              <a:t>interage</a:t>
+            </a:r>
+            <a:r>
+              <a:rPr lang="en-GB" b="0" i="0" dirty="0">
+                <a:effectLst/>
+                <a:latin typeface="inherit"/>
+              </a:rPr>
+              <a:t> com a base de dados</a:t>
+            </a:r>
+            <a:br>
+              <a:rPr lang="en-GB" b="0" i="0" dirty="0">
+                <a:effectLst/>
+                <a:latin typeface="inherit"/>
+              </a:rPr>
+            </a:br>
+            <a:r>
+              <a:rPr lang="en-GB" b="0" i="0" dirty="0" err="1">
+                <a:effectLst/>
+                <a:latin typeface="inherit"/>
+              </a:rPr>
+              <a:t>Resposta</a:t>
+            </a:r>
+            <a:r>
+              <a:rPr lang="en-GB" b="0" i="0" dirty="0">
+                <a:effectLst/>
+                <a:latin typeface="inherit"/>
+              </a:rPr>
+              <a:t> da base de dados </a:t>
+            </a:r>
+            <a:r>
+              <a:rPr lang="en-GB" b="0" i="0" dirty="0" err="1">
+                <a:effectLst/>
+                <a:latin typeface="inherit"/>
+              </a:rPr>
+              <a:t>é</a:t>
+            </a:r>
+            <a:r>
+              <a:rPr lang="en-GB" b="0" i="0" dirty="0">
+                <a:effectLst/>
+                <a:latin typeface="inherit"/>
+              </a:rPr>
+              <a:t> </a:t>
+            </a:r>
+            <a:r>
+              <a:rPr lang="en-GB" b="0" i="0" dirty="0" err="1">
+                <a:effectLst/>
+                <a:latin typeface="inherit"/>
+              </a:rPr>
+              <a:t>processada</a:t>
+            </a:r>
+            <a:r>
+              <a:rPr lang="en-GB" b="0" i="0" dirty="0">
+                <a:effectLst/>
+                <a:latin typeface="inherit"/>
+              </a:rPr>
+              <a:t> e </a:t>
+            </a:r>
+            <a:r>
+              <a:rPr lang="en-GB" b="0" i="0" dirty="0" err="1">
+                <a:effectLst/>
+                <a:latin typeface="inherit"/>
+              </a:rPr>
+              <a:t>retornada</a:t>
+            </a:r>
+            <a:r>
+              <a:rPr lang="en-GB" b="0" i="0" dirty="0">
+                <a:effectLst/>
+                <a:latin typeface="inherit"/>
+              </a:rPr>
+              <a:t> </a:t>
+            </a:r>
+            <a:r>
+              <a:rPr lang="en-GB" b="0" i="0" dirty="0" err="1">
+                <a:effectLst/>
+                <a:latin typeface="inherit"/>
+              </a:rPr>
+              <a:t>pelo</a:t>
+            </a:r>
+            <a:r>
+              <a:rPr lang="en-GB" b="0" i="0" dirty="0">
+                <a:effectLst/>
+                <a:latin typeface="inherit"/>
+              </a:rPr>
+              <a:t> model.</a:t>
+            </a:r>
+            <a:br>
+              <a:rPr lang="en-GB" b="0" i="0" dirty="0">
+                <a:effectLst/>
+                <a:latin typeface="inherit"/>
+              </a:rPr>
+            </a:br>
+            <a:r>
+              <a:rPr lang="en-GB" b="0" i="0" dirty="0">
+                <a:effectLst/>
+                <a:latin typeface="inherit"/>
+              </a:rPr>
+              <a:t>6. Route </a:t>
+            </a:r>
+            <a:r>
+              <a:rPr lang="en-GB" b="0" i="0" dirty="0" err="1">
+                <a:effectLst/>
+                <a:latin typeface="inherit"/>
+              </a:rPr>
+              <a:t>envia</a:t>
+            </a:r>
+            <a:r>
+              <a:rPr lang="en-GB" b="0" i="0" dirty="0">
+                <a:effectLst/>
+                <a:latin typeface="inherit"/>
+              </a:rPr>
+              <a:t> a </a:t>
+            </a:r>
+            <a:r>
+              <a:rPr lang="en-GB" b="0" i="0" dirty="0" err="1">
+                <a:effectLst/>
+                <a:latin typeface="inherit"/>
+              </a:rPr>
+              <a:t>resposta</a:t>
+            </a:r>
+            <a:r>
+              <a:rPr lang="en-GB" b="0" i="0" dirty="0">
+                <a:effectLst/>
+                <a:latin typeface="inherit"/>
+              </a:rPr>
+              <a:t> final </a:t>
+            </a:r>
+            <a:r>
+              <a:rPr lang="en-GB" b="0" i="0" dirty="0" err="1">
+                <a:effectLst/>
+                <a:latin typeface="inherit"/>
+              </a:rPr>
+              <a:t>ao</a:t>
+            </a:r>
+            <a:r>
+              <a:rPr lang="en-GB" b="0" i="0" dirty="0">
+                <a:effectLst/>
+                <a:latin typeface="inherit"/>
+              </a:rPr>
+              <a:t> </a:t>
+            </a:r>
+            <a:r>
+              <a:rPr lang="en-GB" b="0" i="0" dirty="0" err="1">
+                <a:effectLst/>
+                <a:latin typeface="inherit"/>
+              </a:rPr>
+              <a:t>cliente</a:t>
+            </a:r>
+            <a:r>
+              <a:rPr lang="en-GB" b="0" i="0" dirty="0">
+                <a:effectLst/>
+                <a:latin typeface="inherit"/>
+              </a:rPr>
+              <a:t> (ex: token de </a:t>
+            </a:r>
+            <a:r>
+              <a:rPr lang="en-GB" b="0" i="0" dirty="0" err="1">
+                <a:effectLst/>
+                <a:latin typeface="inherit"/>
+              </a:rPr>
+              <a:t>autenticação</a:t>
+            </a:r>
+            <a:r>
+              <a:rPr lang="en-GB" b="0" i="0" dirty="0">
+                <a:effectLst/>
+                <a:latin typeface="inherit"/>
+              </a:rPr>
+              <a:t> </a:t>
+            </a:r>
+            <a:r>
+              <a:rPr lang="en-GB" b="0" i="0" dirty="0" err="1">
+                <a:effectLst/>
+                <a:latin typeface="inherit"/>
+              </a:rPr>
+              <a:t>ou</a:t>
+            </a:r>
+            <a:r>
+              <a:rPr lang="en-GB" b="0" i="0" dirty="0">
+                <a:effectLst/>
+                <a:latin typeface="inherit"/>
+              </a:rPr>
+              <a:t> </a:t>
+            </a:r>
+            <a:r>
+              <a:rPr lang="en-GB" b="0" i="0" dirty="0" err="1">
+                <a:effectLst/>
+                <a:latin typeface="inherit"/>
+              </a:rPr>
+              <a:t>mensagem</a:t>
+            </a:r>
+            <a:r>
+              <a:rPr lang="en-GB" b="0" i="0" dirty="0">
+                <a:effectLst/>
+                <a:latin typeface="inherit"/>
+              </a:rPr>
+              <a:t> de </a:t>
+            </a:r>
+            <a:r>
+              <a:rPr lang="en-GB" b="0" i="0" dirty="0" err="1">
+                <a:effectLst/>
+                <a:latin typeface="inherit"/>
+              </a:rPr>
+              <a:t>erro</a:t>
+            </a:r>
+            <a:r>
+              <a:rPr lang="en-GB" b="0" i="0" dirty="0">
+                <a:effectLst/>
+                <a:latin typeface="inherit"/>
+              </a:rPr>
+              <a:t>).</a:t>
+            </a:r>
+          </a:p>
+          <a:p>
+            <a:endParaRPr lang="en-PT" dirty="0"/>
+          </a:p>
+        </p:txBody>
+      </p:sp>
+      <p:sp>
+        <p:nvSpPr>
+          <p:cNvPr id="4" name="Slide Number Placeholder 3"/>
           <p:cNvSpPr>
             <a:spLocks noGrp="1"/>
           </p:cNvSpPr>
@@ -3560,91 +1228,7 @@
     </p:spTree>
     <p:extLst>
       <p:ext uri="{BB962C8B-B14F-4D97-AF65-F5344CB8AC3E}">
-        <p14:creationId xmlns:p14="http://schemas.microsoft.com/office/powerpoint/2010/main" val="2507958228"/>
-      </p:ext>
-    </p:extLst>
-  </p:cSld>
-  <p:clrMapOvr>
-    <a:masterClrMapping/>
-  </p:clrMapOvr>
-</p:notes>
-</file>
-
-<file path=ppt/notesSlides/notesSlide5.xml><?xml version="1.0" encoding="utf-8"?>
-<p:notes xmlns:a="http://schemas.openxmlformats.org/drawingml/2006/main" xmlns:r="http://schemas.openxmlformats.org/officeDocument/2006/relationships" xmlns:p="http://schemas.openxmlformats.org/presentationml/2006/main">
-  <p:cSld>
-    <p:spTree>
-      <p:nvGrpSpPr>
-        <p:cNvPr id="1" name=""/>
-        <p:cNvGrpSpPr/>
-        <p:nvPr/>
-      </p:nvGrpSpPr>
-      <p:grpSpPr>
-        <a:xfrm>
-          <a:off x="0" y="0"/>
-          <a:ext cx="0" cy="0"/>
-          <a:chOff x="0" y="0"/>
-          <a:chExt cx="0" cy="0"/>
-        </a:xfrm>
-      </p:grpSpPr>
-      <p:sp>
-        <p:nvSpPr>
-          <p:cNvPr id="2" name="Marcador de Posição da Imagem do Diapositivo 1"/>
-          <p:cNvSpPr>
-            <a:spLocks noGrp="1" noRot="1" noChangeAspect="1"/>
-          </p:cNvSpPr>
-          <p:nvPr>
-            <p:ph type="sldImg"/>
-          </p:nvPr>
-        </p:nvSpPr>
-        <p:spPr/>
-      </p:sp>
-      <p:sp>
-        <p:nvSpPr>
-          <p:cNvPr id="3" name="Marcador de Posição de Notas 2"/>
-          <p:cNvSpPr>
-            <a:spLocks noGrp="1"/>
-          </p:cNvSpPr>
-          <p:nvPr>
-            <p:ph type="body" idx="1"/>
-          </p:nvPr>
-        </p:nvSpPr>
-        <p:spPr/>
-        <p:txBody>
-          <a:bodyPr/>
-          <a:lstStyle/>
-          <a:p>
-            <a:endParaRPr lang="pt-PT"/>
-          </a:p>
-        </p:txBody>
-      </p:sp>
-      <p:sp>
-        <p:nvSpPr>
-          <p:cNvPr id="4" name="Marcador de Posição do Número do Diapositivo 3"/>
-          <p:cNvSpPr>
-            <a:spLocks noGrp="1"/>
-          </p:cNvSpPr>
-          <p:nvPr>
-            <p:ph type="sldNum" sz="quarter" idx="5"/>
-          </p:nvPr>
-        </p:nvSpPr>
-        <p:spPr/>
-        <p:txBody>
-          <a:bodyPr/>
-          <a:lstStyle/>
-          <a:p>
-            <a:fld id="{F3895097-F4D1-4C6C-8D4F-2D16C14FD0E1}" type="slidenum">
-              <a:rPr lang="pt-PT" smtClean="0"/>
-              <a:t>5</a:t>
-            </a:fld>
-            <a:endParaRPr lang="pt-PT"/>
-          </a:p>
-        </p:txBody>
-      </p:sp>
-    </p:spTree>
-    <p:extLst>
-      <p:ext uri="{BB962C8B-B14F-4D97-AF65-F5344CB8AC3E}">
-        <p14:creationId xmlns:p14="http://schemas.microsoft.com/office/powerpoint/2010/main" val="1672563865"/>
+        <p14:creationId xmlns:p14="http://schemas.microsoft.com/office/powerpoint/2010/main" val="4200337176"/>
       </p:ext>
     </p:extLst>
   </p:cSld>
@@ -3801,7 +1385,7 @@
           <a:p>
             <a:fld id="{46E58B66-2A0F-4898-9857-80EA16FF78A0}" type="datetimeFigureOut">
               <a:rPr lang="pt-PT" smtClean="0"/>
-              <a:t>05/06/2024</a:t>
+              <a:t>05/06/24</a:t>
             </a:fld>
             <a:endParaRPr lang="pt-PT"/>
           </a:p>
@@ -3999,7 +1583,7 @@
           <a:p>
             <a:fld id="{46E58B66-2A0F-4898-9857-80EA16FF78A0}" type="datetimeFigureOut">
               <a:rPr lang="pt-PT" smtClean="0"/>
-              <a:t>05/06/2024</a:t>
+              <a:t>05/06/24</a:t>
             </a:fld>
             <a:endParaRPr lang="pt-PT"/>
           </a:p>
@@ -4207,7 +1791,7 @@
           <a:p>
             <a:fld id="{46E58B66-2A0F-4898-9857-80EA16FF78A0}" type="datetimeFigureOut">
               <a:rPr lang="pt-PT" smtClean="0"/>
-              <a:t>05/06/2024</a:t>
+              <a:t>05/06/24</a:t>
             </a:fld>
             <a:endParaRPr lang="pt-PT"/>
           </a:p>
@@ -4405,7 +1989,7 @@
           <a:p>
             <a:fld id="{46E58B66-2A0F-4898-9857-80EA16FF78A0}" type="datetimeFigureOut">
               <a:rPr lang="pt-PT" smtClean="0"/>
-              <a:t>05/06/2024</a:t>
+              <a:t>05/06/24</a:t>
             </a:fld>
             <a:endParaRPr lang="pt-PT"/>
           </a:p>
@@ -4680,7 +2264,7 @@
           <a:p>
             <a:fld id="{46E58B66-2A0F-4898-9857-80EA16FF78A0}" type="datetimeFigureOut">
               <a:rPr lang="pt-PT" smtClean="0"/>
-              <a:t>05/06/2024</a:t>
+              <a:t>05/06/24</a:t>
             </a:fld>
             <a:endParaRPr lang="pt-PT"/>
           </a:p>
@@ -4945,7 +2529,7 @@
           <a:p>
             <a:fld id="{46E58B66-2A0F-4898-9857-80EA16FF78A0}" type="datetimeFigureOut">
               <a:rPr lang="pt-PT" smtClean="0"/>
-              <a:t>05/06/2024</a:t>
+              <a:t>05/06/24</a:t>
             </a:fld>
             <a:endParaRPr lang="pt-PT"/>
           </a:p>
@@ -5357,7 +2941,7 @@
           <a:p>
             <a:fld id="{46E58B66-2A0F-4898-9857-80EA16FF78A0}" type="datetimeFigureOut">
               <a:rPr lang="pt-PT" smtClean="0"/>
-              <a:t>05/06/2024</a:t>
+              <a:t>05/06/24</a:t>
             </a:fld>
             <a:endParaRPr lang="pt-PT"/>
           </a:p>
@@ -5498,7 +3082,7 @@
           <a:p>
             <a:fld id="{46E58B66-2A0F-4898-9857-80EA16FF78A0}" type="datetimeFigureOut">
               <a:rPr lang="pt-PT" smtClean="0"/>
-              <a:t>05/06/2024</a:t>
+              <a:t>05/06/24</a:t>
             </a:fld>
             <a:endParaRPr lang="pt-PT"/>
           </a:p>
@@ -5611,7 +3195,7 @@
           <a:p>
             <a:fld id="{46E58B66-2A0F-4898-9857-80EA16FF78A0}" type="datetimeFigureOut">
               <a:rPr lang="pt-PT" smtClean="0"/>
-              <a:t>05/06/2024</a:t>
+              <a:t>05/06/24</a:t>
             </a:fld>
             <a:endParaRPr lang="pt-PT"/>
           </a:p>
@@ -5922,7 +3506,7 @@
           <a:p>
             <a:fld id="{46E58B66-2A0F-4898-9857-80EA16FF78A0}" type="datetimeFigureOut">
               <a:rPr lang="pt-PT" smtClean="0"/>
-              <a:t>05/06/2024</a:t>
+              <a:t>05/06/24</a:t>
             </a:fld>
             <a:endParaRPr lang="pt-PT"/>
           </a:p>
@@ -6210,7 +3794,7 @@
           <a:p>
             <a:fld id="{46E58B66-2A0F-4898-9857-80EA16FF78A0}" type="datetimeFigureOut">
               <a:rPr lang="pt-PT" smtClean="0"/>
-              <a:t>05/06/2024</a:t>
+              <a:t>05/06/24</a:t>
             </a:fld>
             <a:endParaRPr lang="pt-PT"/>
           </a:p>
@@ -6451,7 +4035,7 @@
           <a:p>
             <a:fld id="{46E58B66-2A0F-4898-9857-80EA16FF78A0}" type="datetimeFigureOut">
               <a:rPr lang="pt-PT" smtClean="0"/>
-              <a:t>05/06/2024</a:t>
+              <a:t>05/06/24</a:t>
             </a:fld>
             <a:endParaRPr lang="pt-PT"/>
           </a:p>
@@ -7029,91 +4613,23 @@
       </p:grpSpPr>
       <p:sp>
         <p:nvSpPr>
-          <p:cNvPr id="3" name="Marcador de Posição de Conteúdo 2">
-            <a:extLst>
-              <a:ext uri="{FF2B5EF4-FFF2-40B4-BE49-F238E27FC236}">
-                <a16:creationId xmlns:a16="http://schemas.microsoft.com/office/drawing/2014/main" id="{33B6A466-01D7-4D24-71A4-70BD1E62D166}"/>
-              </a:ext>
-            </a:extLst>
-          </p:cNvPr>
-          <p:cNvSpPr>
-            <a:spLocks noGrp="1"/>
-          </p:cNvSpPr>
-          <p:nvPr>
-            <p:ph idx="1"/>
+          <p:cNvPr id="7" name="Título 1">
+            <a:extLst>
+              <a:ext uri="{FF2B5EF4-FFF2-40B4-BE49-F238E27FC236}">
+                <a16:creationId xmlns:a16="http://schemas.microsoft.com/office/drawing/2014/main" id="{8C55DF0A-408E-E5D4-0792-F1CD7807E503}"/>
+              </a:ext>
+            </a:extLst>
+          </p:cNvPr>
+          <p:cNvSpPr>
+            <a:spLocks noGrp="1"/>
+          </p:cNvSpPr>
+          <p:nvPr>
+            <p:ph type="title"/>
           </p:nvPr>
         </p:nvSpPr>
         <p:spPr>
           <a:xfrm>
-            <a:off x="756396" y="1942494"/>
-            <a:ext cx="10002520" cy="4351338"/>
-          </a:xfrm>
-        </p:spPr>
-        <p:txBody>
-          <a:bodyPr vert="horz" lIns="91440" tIns="45720" rIns="91440" bIns="45720" rtlCol="0" anchor="t">
-            <a:noAutofit/>
-          </a:bodyPr>
-          <a:lstStyle/>
-          <a:p>
-            <a:pPr>
-              <a:lnSpc>
-                <a:spcPct val="200000"/>
-              </a:lnSpc>
-            </a:pPr>
-            <a:r>
-              <a:rPr lang="pt-PT">
-                <a:cs typeface="Calibri" panose="020F0502020204030204"/>
-              </a:rPr>
-              <a:t>Interface simples e intuitiva</a:t>
-            </a:r>
-          </a:p>
-          <a:p>
-            <a:pPr>
-              <a:lnSpc>
-                <a:spcPct val="200000"/>
-              </a:lnSpc>
-            </a:pPr>
-            <a:r>
-              <a:rPr lang="pt-PT">
-                <a:cs typeface="Calibri" panose="020F0502020204030204"/>
-              </a:rPr>
-              <a:t>Seleção de universidades</a:t>
-            </a:r>
-          </a:p>
-          <a:p>
-            <a:pPr>
-              <a:lnSpc>
-                <a:spcPct val="200000"/>
-              </a:lnSpc>
-            </a:pPr>
-            <a:r>
-              <a:rPr lang="pt-PT">
-                <a:cs typeface="Calibri" panose="020F0502020204030204"/>
-              </a:rPr>
-              <a:t>Incentivar a experiencia de ERASMUS</a:t>
-            </a:r>
-          </a:p>
-        </p:txBody>
-      </p:sp>
-      <p:sp>
-        <p:nvSpPr>
-          <p:cNvPr id="4" name="Título 1">
-            <a:extLst>
-              <a:ext uri="{FF2B5EF4-FFF2-40B4-BE49-F238E27FC236}">
-                <a16:creationId xmlns:a16="http://schemas.microsoft.com/office/drawing/2014/main" id="{E732A406-D0C1-295E-4E09-F58824E13734}"/>
-              </a:ext>
-            </a:extLst>
-          </p:cNvPr>
-          <p:cNvSpPr>
-            <a:spLocks noGrp="1"/>
-          </p:cNvSpPr>
-          <p:nvPr>
-            <p:ph type="title"/>
-          </p:nvPr>
-        </p:nvSpPr>
-        <p:spPr>
-          <a:xfrm>
-            <a:off x="838200" y="365125"/>
+            <a:off x="838200" y="197529"/>
             <a:ext cx="10515600" cy="1325563"/>
           </a:xfrm>
         </p:spPr>
@@ -7125,413 +4641,7 @@
           <a:p>
             <a:pPr algn="ctr"/>
             <a:r>
-              <a:rPr lang="pt-PT" sz="4800" b="1">
-                <a:solidFill>
-                  <a:srgbClr val="C00000"/>
-                </a:solidFill>
-                <a:latin typeface="Abadi" panose="020B0604020104020204" pitchFamily="34" charset="0"/>
-              </a:rPr>
-              <a:t>Objetivos</a:t>
-            </a:r>
-          </a:p>
-        </p:txBody>
-      </p:sp>
-      <p:pic>
-        <p:nvPicPr>
-          <p:cNvPr id="6" name="Imagem 5" descr="Uma imagem com esboço, branco, símbolo, clipart&#10;&#10;Descrição gerada automaticamente">
-            <a:extLst>
-              <a:ext uri="{FF2B5EF4-FFF2-40B4-BE49-F238E27FC236}">
-                <a16:creationId xmlns:a16="http://schemas.microsoft.com/office/drawing/2014/main" id="{8B41DE84-CC71-445C-3E6D-D516A58542A1}"/>
-              </a:ext>
-            </a:extLst>
-          </p:cNvPr>
-          <p:cNvPicPr>
-            <a:picLocks noChangeAspect="1"/>
-          </p:cNvPicPr>
-          <p:nvPr/>
-        </p:nvPicPr>
-        <p:blipFill>
-          <a:blip r:embed="rId3">
-            <a:extLst>
-              <a:ext uri="{28A0092B-C50C-407E-A947-70E740481C1C}">
-                <a14:useLocalDpi xmlns:a14="http://schemas.microsoft.com/office/drawing/2010/main" val="0"/>
-              </a:ext>
-            </a:extLst>
-          </a:blip>
-          <a:stretch>
-            <a:fillRect/>
-          </a:stretch>
-        </p:blipFill>
-        <p:spPr>
-          <a:xfrm>
-            <a:off x="7553354" y="848880"/>
-            <a:ext cx="1738312" cy="1738312"/>
-          </a:xfrm>
-          <a:prstGeom prst="rect">
-            <a:avLst/>
-          </a:prstGeom>
-        </p:spPr>
-      </p:pic>
-      <p:pic>
-        <p:nvPicPr>
-          <p:cNvPr id="8" name="Imagem 7" descr="Uma imagem com símbolo, design&#10;&#10;Descrição gerada automaticamente">
-            <a:extLst>
-              <a:ext uri="{FF2B5EF4-FFF2-40B4-BE49-F238E27FC236}">
-                <a16:creationId xmlns:a16="http://schemas.microsoft.com/office/drawing/2014/main" id="{16C105BE-5446-3852-28DD-EC2654535851}"/>
-              </a:ext>
-            </a:extLst>
-          </p:cNvPr>
-          <p:cNvPicPr>
-            <a:picLocks noChangeAspect="1"/>
-          </p:cNvPicPr>
-          <p:nvPr/>
-        </p:nvPicPr>
-        <p:blipFill>
-          <a:blip r:embed="rId4">
-            <a:extLst>
-              <a:ext uri="{28A0092B-C50C-407E-A947-70E740481C1C}">
-                <a14:useLocalDpi xmlns:a14="http://schemas.microsoft.com/office/drawing/2010/main" val="0"/>
-              </a:ext>
-            </a:extLst>
-          </a:blip>
-          <a:stretch>
-            <a:fillRect/>
-          </a:stretch>
-        </p:blipFill>
-        <p:spPr>
-          <a:xfrm>
-            <a:off x="10334596" y="845561"/>
-            <a:ext cx="1738312" cy="1738312"/>
-          </a:xfrm>
-          <a:prstGeom prst="rect">
-            <a:avLst/>
-          </a:prstGeom>
-        </p:spPr>
-      </p:pic>
-      <p:sp>
-        <p:nvSpPr>
-          <p:cNvPr id="9" name="Seta: Bidirecional 8">
-            <a:extLst>
-              <a:ext uri="{FF2B5EF4-FFF2-40B4-BE49-F238E27FC236}">
-                <a16:creationId xmlns:a16="http://schemas.microsoft.com/office/drawing/2014/main" id="{8860D9F1-355F-2AAC-121D-F9E4CE325096}"/>
-              </a:ext>
-            </a:extLst>
-          </p:cNvPr>
-          <p:cNvSpPr/>
-          <p:nvPr/>
-        </p:nvSpPr>
-        <p:spPr>
-          <a:xfrm>
-            <a:off x="9169400" y="1607199"/>
-            <a:ext cx="1047433" cy="221139"/>
-          </a:xfrm>
-          <a:prstGeom prst="leftRightArrow">
-            <a:avLst/>
-          </a:prstGeom>
-          <a:solidFill>
-            <a:schemeClr val="tx1"/>
-          </a:solidFill>
-        </p:spPr>
-        <p:style>
-          <a:lnRef idx="2">
-            <a:schemeClr val="accent1">
-              <a:shade val="15000"/>
-            </a:schemeClr>
-          </a:lnRef>
-          <a:fillRef idx="1">
-            <a:schemeClr val="accent1"/>
-          </a:fillRef>
-          <a:effectRef idx="0">
-            <a:schemeClr val="accent1"/>
-          </a:effectRef>
-          <a:fontRef idx="minor">
-            <a:schemeClr val="lt1"/>
-          </a:fontRef>
-        </p:style>
-        <p:txBody>
-          <a:bodyPr rtlCol="0" anchor="ctr"/>
-          <a:lstStyle/>
-          <a:p>
-            <a:pPr algn="ctr"/>
-            <a:endParaRPr lang="pt-PT"/>
-          </a:p>
-        </p:txBody>
-      </p:sp>
-      <p:pic>
-        <p:nvPicPr>
-          <p:cNvPr id="16" name="Imagem 15" descr="Uma imagem com esboço, logótipo, clipart, símbolo&#10;&#10;Descrição gerada automaticamente">
-            <a:extLst>
-              <a:ext uri="{FF2B5EF4-FFF2-40B4-BE49-F238E27FC236}">
-                <a16:creationId xmlns:a16="http://schemas.microsoft.com/office/drawing/2014/main" id="{1B623F7D-0817-A247-27D1-2FD7BB32FC7B}"/>
-              </a:ext>
-            </a:extLst>
-          </p:cNvPr>
-          <p:cNvPicPr>
-            <a:picLocks noChangeAspect="1"/>
-          </p:cNvPicPr>
-          <p:nvPr/>
-        </p:nvPicPr>
-        <p:blipFill>
-          <a:blip r:embed="rId5">
-            <a:extLst>
-              <a:ext uri="{28A0092B-C50C-407E-A947-70E740481C1C}">
-                <a14:useLocalDpi xmlns:a14="http://schemas.microsoft.com/office/drawing/2010/main" val="0"/>
-              </a:ext>
-            </a:extLst>
-          </a:blip>
-          <a:stretch>
-            <a:fillRect/>
-          </a:stretch>
-        </p:blipFill>
-        <p:spPr>
-          <a:xfrm>
-            <a:off x="9289414" y="888270"/>
-            <a:ext cx="807403" cy="604773"/>
-          </a:xfrm>
-          <a:prstGeom prst="rect">
-            <a:avLst/>
-          </a:prstGeom>
-        </p:spPr>
-      </p:pic>
-    </p:spTree>
-    <p:extLst>
-      <p:ext uri="{BB962C8B-B14F-4D97-AF65-F5344CB8AC3E}">
-        <p14:creationId xmlns:p14="http://schemas.microsoft.com/office/powerpoint/2010/main" val="668399306"/>
-      </p:ext>
-    </p:extLst>
-  </p:cSld>
-  <p:clrMapOvr>
-    <a:masterClrMapping/>
-  </p:clrMapOvr>
-</p:sld>
-</file>
-
-<file path=ppt/slides/slide3.xml><?xml version="1.0" encoding="utf-8"?>
-<p:sld xmlns:a="http://schemas.openxmlformats.org/drawingml/2006/main" xmlns:r="http://schemas.openxmlformats.org/officeDocument/2006/relationships" xmlns:p="http://schemas.openxmlformats.org/presentationml/2006/main">
-  <p:cSld>
-    <p:spTree>
-      <p:nvGrpSpPr>
-        <p:cNvPr id="1" name=""/>
-        <p:cNvGrpSpPr/>
-        <p:nvPr/>
-      </p:nvGrpSpPr>
-      <p:grpSpPr>
-        <a:xfrm>
-          <a:off x="0" y="0"/>
-          <a:ext cx="0" cy="0"/>
-          <a:chOff x="0" y="0"/>
-          <a:chExt cx="0" cy="0"/>
-        </a:xfrm>
-      </p:grpSpPr>
-      <p:sp>
-        <p:nvSpPr>
-          <p:cNvPr id="2" name="Título 1">
-            <a:extLst>
-              <a:ext uri="{FF2B5EF4-FFF2-40B4-BE49-F238E27FC236}">
-                <a16:creationId xmlns:a16="http://schemas.microsoft.com/office/drawing/2014/main" id="{B599FFFE-04BD-8807-FCFE-70EB9A6EB5F6}"/>
-              </a:ext>
-            </a:extLst>
-          </p:cNvPr>
-          <p:cNvSpPr>
-            <a:spLocks noGrp="1"/>
-          </p:cNvSpPr>
-          <p:nvPr>
-            <p:ph type="title"/>
-          </p:nvPr>
-        </p:nvSpPr>
-        <p:spPr/>
-        <p:txBody>
-          <a:bodyPr/>
-          <a:lstStyle/>
-          <a:p>
-            <a:pPr algn="ctr"/>
-            <a:r>
-              <a:rPr lang="pt-PT" b="1">
-                <a:solidFill>
-                  <a:srgbClr val="C00000"/>
-                </a:solidFill>
-                <a:latin typeface="Abadi" panose="020B0604020104020204" pitchFamily="34" charset="0"/>
-              </a:rPr>
-              <a:t>Público-alvo</a:t>
-            </a:r>
-            <a:endParaRPr lang="pt-PT"/>
-          </a:p>
-        </p:txBody>
-      </p:sp>
-      <p:sp>
-        <p:nvSpPr>
-          <p:cNvPr id="3" name="Marcador de Posição de Conteúdo 2">
-            <a:extLst>
-              <a:ext uri="{FF2B5EF4-FFF2-40B4-BE49-F238E27FC236}">
-                <a16:creationId xmlns:a16="http://schemas.microsoft.com/office/drawing/2014/main" id="{CC5B108F-38CB-1692-1CB3-7B3A97C502DD}"/>
-              </a:ext>
-            </a:extLst>
-          </p:cNvPr>
-          <p:cNvSpPr>
-            <a:spLocks noGrp="1"/>
-          </p:cNvSpPr>
-          <p:nvPr>
-            <p:ph idx="1"/>
-          </p:nvPr>
-        </p:nvSpPr>
-        <p:spPr/>
-        <p:txBody>
-          <a:bodyPr/>
-          <a:lstStyle/>
-          <a:p>
-            <a:endParaRPr lang="pt-PT"/>
-          </a:p>
-          <a:p>
-            <a:r>
-              <a:rPr lang="pt-PT">
-                <a:latin typeface="Abadi" panose="020B0604020104020204" pitchFamily="34" charset="0"/>
-              </a:rPr>
-              <a:t>Entre os 18 e os 25 anos</a:t>
-            </a:r>
-          </a:p>
-          <a:p>
-            <a:endParaRPr lang="pt-PT">
-              <a:latin typeface="Abadi" panose="020B0604020104020204" pitchFamily="34" charset="0"/>
-            </a:endParaRPr>
-          </a:p>
-          <a:p>
-            <a:r>
-              <a:rPr lang="pt-PT">
-                <a:latin typeface="Abadi" panose="020B0604020104020204" pitchFamily="34" charset="0"/>
-              </a:rPr>
-              <a:t>Faixa etária que vai à busca de oportunidades educacionais e de enriquecimento pessoal</a:t>
-            </a:r>
-          </a:p>
-        </p:txBody>
-      </p:sp>
-    </p:spTree>
-    <p:extLst>
-      <p:ext uri="{BB962C8B-B14F-4D97-AF65-F5344CB8AC3E}">
-        <p14:creationId xmlns:p14="http://schemas.microsoft.com/office/powerpoint/2010/main" val="4038526253"/>
-      </p:ext>
-    </p:extLst>
-  </p:cSld>
-  <p:clrMapOvr>
-    <a:masterClrMapping/>
-  </p:clrMapOvr>
-</p:sld>
-</file>
-
-<file path=ppt/slides/slide4.xml><?xml version="1.0" encoding="utf-8"?>
-<p:sld xmlns:a="http://schemas.openxmlformats.org/drawingml/2006/main" xmlns:r="http://schemas.openxmlformats.org/officeDocument/2006/relationships" xmlns:p="http://schemas.openxmlformats.org/presentationml/2006/main">
-  <p:cSld>
-    <p:spTree>
-      <p:nvGrpSpPr>
-        <p:cNvPr id="1" name=""/>
-        <p:cNvGrpSpPr/>
-        <p:nvPr/>
-      </p:nvGrpSpPr>
-      <p:grpSpPr>
-        <a:xfrm>
-          <a:off x="0" y="0"/>
-          <a:ext cx="0" cy="0"/>
-          <a:chOff x="0" y="0"/>
-          <a:chExt cx="0" cy="0"/>
-        </a:xfrm>
-      </p:grpSpPr>
-      <p:sp>
-        <p:nvSpPr>
-          <p:cNvPr id="3" name="Marcador de Posição do Texto 2">
-            <a:extLst>
-              <a:ext uri="{FF2B5EF4-FFF2-40B4-BE49-F238E27FC236}">
-                <a16:creationId xmlns:a16="http://schemas.microsoft.com/office/drawing/2014/main" id="{750EFA52-9FCB-D201-FAC9-D5F30F50C0E7}"/>
-              </a:ext>
-            </a:extLst>
-          </p:cNvPr>
-          <p:cNvSpPr>
-            <a:spLocks noGrp="1"/>
-          </p:cNvSpPr>
-          <p:nvPr>
-            <p:ph type="body" idx="1"/>
-          </p:nvPr>
-        </p:nvSpPr>
-        <p:spPr/>
-        <p:txBody>
-          <a:bodyPr>
-            <a:normAutofit/>
-          </a:bodyPr>
-          <a:lstStyle/>
-          <a:p>
-            <a:pPr algn="ctr"/>
-            <a:r>
-              <a:rPr lang="pt-PT" sz="3600" err="1">
-                <a:latin typeface="Abadi" panose="020B0604020104020204" pitchFamily="34" charset="0"/>
-              </a:rPr>
-              <a:t>ChatBot</a:t>
-            </a:r>
-            <a:endParaRPr lang="pt-PT" sz="3600">
-              <a:latin typeface="Abadi" panose="020B0604020104020204" pitchFamily="34" charset="0"/>
-            </a:endParaRPr>
-          </a:p>
-        </p:txBody>
-      </p:sp>
-      <p:graphicFrame>
-        <p:nvGraphicFramePr>
-          <p:cNvPr id="9" name="Marcador de Posição de Conteúdo 8">
-            <a:extLst>
-              <a:ext uri="{FF2B5EF4-FFF2-40B4-BE49-F238E27FC236}">
-                <a16:creationId xmlns:a16="http://schemas.microsoft.com/office/drawing/2014/main" id="{C9B933D9-CBAB-BBE3-B053-7F579D5A2301}"/>
-              </a:ext>
-            </a:extLst>
-          </p:cNvPr>
-          <p:cNvGraphicFramePr>
-            <a:graphicFrameLocks noGrp="1"/>
-          </p:cNvGraphicFramePr>
-          <p:nvPr>
-            <p:ph sz="half" idx="2"/>
-            <p:extLst>
-              <p:ext uri="{D42A27DB-BD31-4B8C-83A1-F6EECF244321}">
-                <p14:modId xmlns:p14="http://schemas.microsoft.com/office/powerpoint/2010/main" val="2647096781"/>
-              </p:ext>
-            </p:extLst>
-          </p:nvPr>
-        </p:nvGraphicFramePr>
-        <p:xfrm>
-          <a:off x="839788" y="2728595"/>
-          <a:ext cx="5157787" cy="3684588"/>
-        </p:xfrm>
-        <a:graphic>
-          <a:graphicData uri="http://schemas.openxmlformats.org/drawingml/2006/diagram">
-            <dgm:relIds xmlns:dgm="http://schemas.openxmlformats.org/drawingml/2006/diagram" xmlns:r="http://schemas.openxmlformats.org/officeDocument/2006/relationships" r:dm="rId3" r:lo="rId4" r:qs="rId5" r:cs="rId6"/>
-          </a:graphicData>
-        </a:graphic>
-      </p:graphicFrame>
-      <p:sp>
-        <p:nvSpPr>
-          <p:cNvPr id="7" name="Título 1">
-            <a:extLst>
-              <a:ext uri="{FF2B5EF4-FFF2-40B4-BE49-F238E27FC236}">
-                <a16:creationId xmlns:a16="http://schemas.microsoft.com/office/drawing/2014/main" id="{8C55DF0A-408E-E5D4-0792-F1CD7807E503}"/>
-              </a:ext>
-            </a:extLst>
-          </p:cNvPr>
-          <p:cNvSpPr>
-            <a:spLocks noGrp="1"/>
-          </p:cNvSpPr>
-          <p:nvPr>
-            <p:ph type="title"/>
-          </p:nvPr>
-        </p:nvSpPr>
-        <p:spPr>
-          <a:xfrm>
-            <a:off x="838200" y="365125"/>
-            <a:ext cx="10515600" cy="1325563"/>
-          </a:xfrm>
-        </p:spPr>
-        <p:txBody>
-          <a:bodyPr>
-            <a:normAutofit/>
-          </a:bodyPr>
-          <a:lstStyle/>
-          <a:p>
-            <a:pPr algn="ctr"/>
-            <a:r>
-              <a:rPr lang="pt-PT" sz="4800" b="1">
+              <a:rPr lang="pt-PT" sz="4800" b="1" dirty="0">
                 <a:solidFill>
                   <a:srgbClr val="C00000"/>
                 </a:solidFill>
@@ -7557,13 +4667,13 @@
           <p:nvPr>
             <p:extLst>
               <p:ext uri="{D42A27DB-BD31-4B8C-83A1-F6EECF244321}">
-                <p14:modId xmlns:p14="http://schemas.microsoft.com/office/powerpoint/2010/main" val="1001948071"/>
+                <p14:modId xmlns:p14="http://schemas.microsoft.com/office/powerpoint/2010/main" val="1785523207"/>
               </p:ext>
             </p:extLst>
           </p:nvPr>
         </p:nvGraphicFramePr>
         <p:xfrm>
-          <a:off x="7147400" y="2895177"/>
+          <a:off x="1980452" y="2952137"/>
           <a:ext cx="1750300" cy="2896448"/>
         </p:xfrm>
         <a:graphic>
@@ -7846,7 +4956,7 @@
           </p:nvPr>
         </p:nvPicPr>
         <p:blipFill>
-          <a:blip r:embed="rId8">
+          <a:blip r:embed="rId3">
             <a:extLst>
               <a:ext uri="{28A0092B-C50C-407E-A947-70E740481C1C}">
                 <a14:useLocalDpi xmlns:a14="http://schemas.microsoft.com/office/drawing/2010/main" val="0"/>
@@ -7859,7 +4969,7 @@
         </p:blipFill>
         <p:spPr>
           <a:xfrm>
-            <a:off x="8279958" y="3095650"/>
+            <a:off x="3113010" y="3152610"/>
             <a:ext cx="406400" cy="413690"/>
           </a:xfrm>
           <a:ln>
@@ -7883,7 +4993,7 @@
         </p:nvSpPr>
         <p:spPr>
           <a:xfrm>
-            <a:off x="5804175" y="1466132"/>
+            <a:off x="637227" y="1523092"/>
             <a:ext cx="6187049" cy="1253973"/>
           </a:xfrm>
           <a:prstGeom prst="rect">
@@ -8061,7 +5171,7 @@
           <a:p>
             <a:pPr algn="ctr"/>
             <a:r>
-              <a:rPr lang="pt-PT" sz="3600">
+              <a:rPr lang="pt-PT" sz="3600" dirty="0">
                 <a:latin typeface="Abadi"/>
               </a:rPr>
               <a:t>Inserção e atualização </a:t>
@@ -8070,12 +5180,12 @@
           <a:p>
             <a:pPr algn="ctr"/>
             <a:r>
-              <a:rPr lang="pt-PT" sz="3600">
+              <a:rPr lang="pt-PT" sz="3600" dirty="0">
                 <a:latin typeface="Abadi"/>
               </a:rPr>
               <a:t>dos programas</a:t>
             </a:r>
-            <a:endParaRPr lang="pt-PT" sz="3600">
+            <a:endParaRPr lang="pt-PT" sz="3600" dirty="0">
               <a:latin typeface="Abadi" panose="020B0604020104020204" pitchFamily="34" charset="0"/>
             </a:endParaRPr>
           </a:p>
@@ -8096,13 +5206,13 @@
           <p:nvPr>
             <p:extLst>
               <p:ext uri="{D42A27DB-BD31-4B8C-83A1-F6EECF244321}">
-                <p14:modId xmlns:p14="http://schemas.microsoft.com/office/powerpoint/2010/main" val="3675234551"/>
+                <p14:modId xmlns:p14="http://schemas.microsoft.com/office/powerpoint/2010/main" val="3064488103"/>
               </p:ext>
             </p:extLst>
           </p:nvPr>
         </p:nvGraphicFramePr>
         <p:xfrm>
-          <a:off x="8897700" y="2895177"/>
+          <a:off x="3730752" y="2952137"/>
           <a:ext cx="1750300" cy="2896448"/>
         </p:xfrm>
         <a:graphic>
@@ -8383,7 +5493,7 @@
           <p:nvPr/>
         </p:nvPicPr>
         <p:blipFill>
-          <a:blip r:embed="rId8">
+          <a:blip r:embed="rId3">
             <a:extLst>
               <a:ext uri="{28A0092B-C50C-407E-A947-70E740481C1C}">
                 <a14:useLocalDpi xmlns:a14="http://schemas.microsoft.com/office/drawing/2010/main" val="0"/>
@@ -8396,7 +5506,7 @@
         </p:blipFill>
         <p:spPr>
           <a:xfrm>
-            <a:off x="10047525" y="3095650"/>
+            <a:off x="4880577" y="3152610"/>
             <a:ext cx="406400" cy="413690"/>
           </a:xfrm>
           <a:prstGeom prst="rect">
@@ -8407,6 +5517,244 @@
           </a:ln>
         </p:spPr>
       </p:pic>
+      <p:pic>
+        <p:nvPicPr>
+          <p:cNvPr id="15" name="Picture 14" descr="A map with a pin on it&#10;&#10;Description automatically generated">
+            <a:extLst>
+              <a:ext uri="{FF2B5EF4-FFF2-40B4-BE49-F238E27FC236}">
+                <a16:creationId xmlns:a16="http://schemas.microsoft.com/office/drawing/2014/main" id="{EAE26C97-F73D-8F7D-E7DA-9ED78856A0B8}"/>
+              </a:ext>
+            </a:extLst>
+          </p:cNvPr>
+          <p:cNvPicPr>
+            <a:picLocks noChangeAspect="1"/>
+          </p:cNvPicPr>
+          <p:nvPr/>
+        </p:nvPicPr>
+        <p:blipFill>
+          <a:blip r:embed="rId4">
+            <a:extLst>
+              <a:ext uri="{28A0092B-C50C-407E-A947-70E740481C1C}">
+                <a14:useLocalDpi xmlns:a14="http://schemas.microsoft.com/office/drawing/2010/main" val="0"/>
+              </a:ext>
+            </a:extLst>
+          </a:blip>
+          <a:stretch>
+            <a:fillRect/>
+          </a:stretch>
+        </p:blipFill>
+        <p:spPr>
+          <a:xfrm>
+            <a:off x="7778241" y="3359455"/>
+            <a:ext cx="1923522" cy="1923522"/>
+          </a:xfrm>
+          <a:prstGeom prst="rect">
+            <a:avLst/>
+          </a:prstGeom>
+        </p:spPr>
+      </p:pic>
+      <p:sp>
+        <p:nvSpPr>
+          <p:cNvPr id="16" name="Marcador de Posição do Texto 2">
+            <a:extLst>
+              <a:ext uri="{FF2B5EF4-FFF2-40B4-BE49-F238E27FC236}">
+                <a16:creationId xmlns:a16="http://schemas.microsoft.com/office/drawing/2014/main" id="{994FF2B0-E6B7-C721-A99E-8CBD2AA3BDE7}"/>
+              </a:ext>
+            </a:extLst>
+          </p:cNvPr>
+          <p:cNvSpPr txBox="1">
+            <a:spLocks/>
+          </p:cNvSpPr>
+          <p:nvPr/>
+        </p:nvSpPr>
+        <p:spPr>
+          <a:xfrm>
+            <a:off x="7567395" y="2150078"/>
+            <a:ext cx="2345215" cy="566564"/>
+          </a:xfrm>
+          <a:prstGeom prst="rect">
+            <a:avLst/>
+          </a:prstGeom>
+        </p:spPr>
+        <p:txBody>
+          <a:bodyPr vert="horz" lIns="91440" tIns="45720" rIns="91440" bIns="45720" rtlCol="0" anchor="b">
+            <a:normAutofit lnSpcReduction="10000"/>
+          </a:bodyPr>
+          <a:lstStyle>
+            <a:lvl1pPr marL="0" indent="0" algn="l" defTabSz="914400" rtl="0" eaLnBrk="1" latinLnBrk="0" hangingPunct="1">
+              <a:lnSpc>
+                <a:spcPct val="90000"/>
+              </a:lnSpc>
+              <a:spcBef>
+                <a:spcPts val="1000"/>
+              </a:spcBef>
+              <a:buFont typeface="Arial" panose="020B0604020202020204" pitchFamily="34" charset="0"/>
+              <a:buNone/>
+              <a:defRPr sz="2400" b="1" kern="1200">
+                <a:solidFill>
+                  <a:schemeClr val="tx1"/>
+                </a:solidFill>
+                <a:latin typeface="+mn-lt"/>
+                <a:ea typeface="+mn-ea"/>
+                <a:cs typeface="+mn-cs"/>
+              </a:defRPr>
+            </a:lvl1pPr>
+            <a:lvl2pPr marL="457200" indent="0" algn="l" defTabSz="914400" rtl="0" eaLnBrk="1" latinLnBrk="0" hangingPunct="1">
+              <a:lnSpc>
+                <a:spcPct val="90000"/>
+              </a:lnSpc>
+              <a:spcBef>
+                <a:spcPts val="500"/>
+              </a:spcBef>
+              <a:buFont typeface="Arial" panose="020B0604020202020204" pitchFamily="34" charset="0"/>
+              <a:buNone/>
+              <a:defRPr sz="2000" b="1" kern="1200">
+                <a:solidFill>
+                  <a:schemeClr val="tx1"/>
+                </a:solidFill>
+                <a:latin typeface="+mn-lt"/>
+                <a:ea typeface="+mn-ea"/>
+                <a:cs typeface="+mn-cs"/>
+              </a:defRPr>
+            </a:lvl2pPr>
+            <a:lvl3pPr marL="914400" indent="0" algn="l" defTabSz="914400" rtl="0" eaLnBrk="1" latinLnBrk="0" hangingPunct="1">
+              <a:lnSpc>
+                <a:spcPct val="90000"/>
+              </a:lnSpc>
+              <a:spcBef>
+                <a:spcPts val="500"/>
+              </a:spcBef>
+              <a:buFont typeface="Arial" panose="020B0604020202020204" pitchFamily="34" charset="0"/>
+              <a:buNone/>
+              <a:defRPr sz="1800" b="1" kern="1200">
+                <a:solidFill>
+                  <a:schemeClr val="tx1"/>
+                </a:solidFill>
+                <a:latin typeface="+mn-lt"/>
+                <a:ea typeface="+mn-ea"/>
+                <a:cs typeface="+mn-cs"/>
+              </a:defRPr>
+            </a:lvl3pPr>
+            <a:lvl4pPr marL="1371600" indent="0" algn="l" defTabSz="914400" rtl="0" eaLnBrk="1" latinLnBrk="0" hangingPunct="1">
+              <a:lnSpc>
+                <a:spcPct val="90000"/>
+              </a:lnSpc>
+              <a:spcBef>
+                <a:spcPts val="500"/>
+              </a:spcBef>
+              <a:buFont typeface="Arial" panose="020B0604020202020204" pitchFamily="34" charset="0"/>
+              <a:buNone/>
+              <a:defRPr sz="1600" b="1" kern="1200">
+                <a:solidFill>
+                  <a:schemeClr val="tx1"/>
+                </a:solidFill>
+                <a:latin typeface="+mn-lt"/>
+                <a:ea typeface="+mn-ea"/>
+                <a:cs typeface="+mn-cs"/>
+              </a:defRPr>
+            </a:lvl4pPr>
+            <a:lvl5pPr marL="1828800" indent="0" algn="l" defTabSz="914400" rtl="0" eaLnBrk="1" latinLnBrk="0" hangingPunct="1">
+              <a:lnSpc>
+                <a:spcPct val="90000"/>
+              </a:lnSpc>
+              <a:spcBef>
+                <a:spcPts val="500"/>
+              </a:spcBef>
+              <a:buFont typeface="Arial" panose="020B0604020202020204" pitchFamily="34" charset="0"/>
+              <a:buNone/>
+              <a:defRPr sz="1600" b="1" kern="1200">
+                <a:solidFill>
+                  <a:schemeClr val="tx1"/>
+                </a:solidFill>
+                <a:latin typeface="+mn-lt"/>
+                <a:ea typeface="+mn-ea"/>
+                <a:cs typeface="+mn-cs"/>
+              </a:defRPr>
+            </a:lvl5pPr>
+            <a:lvl6pPr marL="2286000" indent="0" algn="l" defTabSz="914400" rtl="0" eaLnBrk="1" latinLnBrk="0" hangingPunct="1">
+              <a:lnSpc>
+                <a:spcPct val="90000"/>
+              </a:lnSpc>
+              <a:spcBef>
+                <a:spcPts val="500"/>
+              </a:spcBef>
+              <a:buFont typeface="Arial" panose="020B0604020202020204" pitchFamily="34" charset="0"/>
+              <a:buNone/>
+              <a:defRPr sz="1600" b="1" kern="1200">
+                <a:solidFill>
+                  <a:schemeClr val="tx1"/>
+                </a:solidFill>
+                <a:latin typeface="+mn-lt"/>
+                <a:ea typeface="+mn-ea"/>
+                <a:cs typeface="+mn-cs"/>
+              </a:defRPr>
+            </a:lvl6pPr>
+            <a:lvl7pPr marL="2743200" indent="0" algn="l" defTabSz="914400" rtl="0" eaLnBrk="1" latinLnBrk="0" hangingPunct="1">
+              <a:lnSpc>
+                <a:spcPct val="90000"/>
+              </a:lnSpc>
+              <a:spcBef>
+                <a:spcPts val="500"/>
+              </a:spcBef>
+              <a:buFont typeface="Arial" panose="020B0604020202020204" pitchFamily="34" charset="0"/>
+              <a:buNone/>
+              <a:defRPr sz="1600" b="1" kern="1200">
+                <a:solidFill>
+                  <a:schemeClr val="tx1"/>
+                </a:solidFill>
+                <a:latin typeface="+mn-lt"/>
+                <a:ea typeface="+mn-ea"/>
+                <a:cs typeface="+mn-cs"/>
+              </a:defRPr>
+            </a:lvl7pPr>
+            <a:lvl8pPr marL="3200400" indent="0" algn="l" defTabSz="914400" rtl="0" eaLnBrk="1" latinLnBrk="0" hangingPunct="1">
+              <a:lnSpc>
+                <a:spcPct val="90000"/>
+              </a:lnSpc>
+              <a:spcBef>
+                <a:spcPts val="500"/>
+              </a:spcBef>
+              <a:buFont typeface="Arial" panose="020B0604020202020204" pitchFamily="34" charset="0"/>
+              <a:buNone/>
+              <a:defRPr sz="1600" b="1" kern="1200">
+                <a:solidFill>
+                  <a:schemeClr val="tx1"/>
+                </a:solidFill>
+                <a:latin typeface="+mn-lt"/>
+                <a:ea typeface="+mn-ea"/>
+                <a:cs typeface="+mn-cs"/>
+              </a:defRPr>
+            </a:lvl8pPr>
+            <a:lvl9pPr marL="3657600" indent="0" algn="l" defTabSz="914400" rtl="0" eaLnBrk="1" latinLnBrk="0" hangingPunct="1">
+              <a:lnSpc>
+                <a:spcPct val="90000"/>
+              </a:lnSpc>
+              <a:spcBef>
+                <a:spcPts val="500"/>
+              </a:spcBef>
+              <a:buFont typeface="Arial" panose="020B0604020202020204" pitchFamily="34" charset="0"/>
+              <a:buNone/>
+              <a:defRPr sz="1600" b="1" kern="1200">
+                <a:solidFill>
+                  <a:schemeClr val="tx1"/>
+                </a:solidFill>
+                <a:latin typeface="+mn-lt"/>
+                <a:ea typeface="+mn-ea"/>
+                <a:cs typeface="+mn-cs"/>
+              </a:defRPr>
+            </a:lvl9pPr>
+          </a:lstStyle>
+          <a:p>
+            <a:pPr algn="ctr"/>
+            <a:r>
+              <a:rPr lang="pt-PT" sz="3600" dirty="0">
+                <a:latin typeface="Abadi"/>
+              </a:rPr>
+              <a:t>Mapa</a:t>
+            </a:r>
+          </a:p>
+        </p:txBody>
+      </p:sp>
     </p:spTree>
     <p:extLst>
       <p:ext uri="{BB962C8B-B14F-4D97-AF65-F5344CB8AC3E}">
@@ -8420,7 +5768,7 @@
 </p:sld>
 </file>
 
-<file path=ppt/slides/slide5.xml><?xml version="1.0" encoding="utf-8"?>
+<file path=ppt/slides/slide3.xml><?xml version="1.0" encoding="utf-8"?>
 <p:sld xmlns:a="http://schemas.openxmlformats.org/drawingml/2006/main" xmlns:r="http://schemas.openxmlformats.org/officeDocument/2006/relationships" xmlns:p="http://schemas.openxmlformats.org/presentationml/2006/main">
   <p:cSld>
     <p:spTree>
@@ -8763,7 +6111,7 @@
 </p:sld>
 </file>
 
-<file path=ppt/slides/slide6.xml><?xml version="1.0" encoding="utf-8"?>
+<file path=ppt/slides/slide4.xml><?xml version="1.0" encoding="utf-8"?>
 <p:sld xmlns:a="http://schemas.openxmlformats.org/drawingml/2006/main" xmlns:r="http://schemas.openxmlformats.org/officeDocument/2006/relationships" xmlns:p="http://schemas.openxmlformats.org/presentationml/2006/main">
   <p:cSld>
     <p:spTree>
@@ -8798,7 +6146,7 @@
         </p:nvSpPr>
         <p:spPr>
           <a:xfrm>
-            <a:off x="1648569" y="305773"/>
+            <a:off x="1063353" y="330157"/>
             <a:ext cx="10515600" cy="45719"/>
           </a:xfrm>
         </p:spPr>
@@ -9001,14 +6349,14 @@
           </p:nvPr>
         </p:nvPicPr>
         <p:blipFill>
-          <a:blip r:embed="rId2"/>
+          <a:blip r:embed="rId3"/>
           <a:stretch>
             <a:fillRect/>
           </a:stretch>
         </p:blipFill>
         <p:spPr>
           <a:xfrm>
-            <a:off x="2845218" y="502041"/>
+            <a:off x="5011290" y="982635"/>
             <a:ext cx="3163882" cy="5379307"/>
           </a:xfrm>
         </p:spPr>
@@ -9026,7 +6374,7 @@
 </p:sld>
 </file>
 
-<file path=ppt/slides/slide7.xml><?xml version="1.0" encoding="utf-8"?>
+<file path=ppt/slides/slide5.xml><?xml version="1.0" encoding="utf-8"?>
 <p:sld xmlns:a="http://schemas.openxmlformats.org/drawingml/2006/main" xmlns:r="http://schemas.openxmlformats.org/officeDocument/2006/relationships" xmlns:p="http://schemas.openxmlformats.org/presentationml/2006/main">
   <p:cSld>
     <p:spTree>
@@ -9773,6 +7121,23 @@
 </file>
 
 <file path=customXml/item1.xml><?xml version="1.0" encoding="utf-8"?>
+<?mso-contentType ?>
+<FormTemplates xmlns="http://schemas.microsoft.com/sharepoint/v3/contenttype/forms">
+  <Display>DocumentLibraryForm</Display>
+  <Edit>DocumentLibraryForm</Edit>
+  <New>DocumentLibraryForm</New>
+</FormTemplates>
+</file>
+
+<file path=customXml/item2.xml><?xml version="1.0" encoding="utf-8"?>
+<p:properties xmlns:p="http://schemas.microsoft.com/office/2006/metadata/properties" xmlns:xsi="http://www.w3.org/2001/XMLSchema-instance" xmlns:pc="http://schemas.microsoft.com/office/infopath/2007/PartnerControls">
+  <documentManagement>
+    <_activity xmlns="7b55a7f8-90d0-4472-bc79-4a63b309486a" xsi:nil="true"/>
+  </documentManagement>
+</p:properties>
+</file>
+
+<file path=customXml/item3.xml><?xml version="1.0" encoding="utf-8"?>
 <ct:contentTypeSchema xmlns:ct="http://schemas.microsoft.com/office/2006/metadata/contentType" xmlns:ma="http://schemas.microsoft.com/office/2006/metadata/properties/metaAttributes" ct:_="" ma:_="" ma:contentTypeName="Documento" ma:contentTypeID="0x01010013B59E91570B3F4499A8A8CFD8B32F41" ma:contentTypeVersion="8" ma:contentTypeDescription="Criar um novo documento." ma:contentTypeScope="" ma:versionID="20a55633da16c317dac2d332afb4b3ad">
   <xsd:schema xmlns:xsd="http://www.w3.org/2001/XMLSchema" xmlns:xs="http://www.w3.org/2001/XMLSchema" xmlns:p="http://schemas.microsoft.com/office/2006/metadata/properties" xmlns:ns3="7b55a7f8-90d0-4472-bc79-4a63b309486a" xmlns:ns4="c758bd14-26c5-4ff9-bc20-e85b617de168" targetNamespace="http://schemas.microsoft.com/office/2006/metadata/properties" ma:root="true" ma:fieldsID="8f9c07f4e724147c85d20992e14823ca" ns3:_="" ns4:_="">
     <xsd:import namespace="7b55a7f8-90d0-4472-bc79-4a63b309486a"/>
@@ -9961,38 +7326,10 @@
 </ct:contentTypeSchema>
 </file>
 
-<file path=customXml/item2.xml><?xml version="1.0" encoding="utf-8"?>
-<p:properties xmlns:p="http://schemas.microsoft.com/office/2006/metadata/properties" xmlns:xsi="http://www.w3.org/2001/XMLSchema-instance" xmlns:pc="http://schemas.microsoft.com/office/infopath/2007/PartnerControls">
-  <documentManagement>
-    <_activity xmlns="7b55a7f8-90d0-4472-bc79-4a63b309486a" xsi:nil="true"/>
-  </documentManagement>
-</p:properties>
-</file>
-
-<file path=customXml/item3.xml><?xml version="1.0" encoding="utf-8"?>
-<?mso-contentType ?>
-<FormTemplates xmlns="http://schemas.microsoft.com/sharepoint/v3/contenttype/forms">
-  <Display>DocumentLibraryForm</Display>
-  <Edit>DocumentLibraryForm</Edit>
-  <New>DocumentLibraryForm</New>
-</FormTemplates>
-</file>
-
 <file path=customXml/itemProps1.xml><?xml version="1.0" encoding="utf-8"?>
-<ds:datastoreItem xmlns:ds="http://schemas.openxmlformats.org/officeDocument/2006/customXml" ds:itemID="{B1448083-BF98-46A4-9F1F-A8CD7037DA53}">
+<ds:datastoreItem xmlns:ds="http://schemas.openxmlformats.org/officeDocument/2006/customXml" ds:itemID="{001E2B4C-92A5-4AE6-8F8A-34FD8BF3A4F3}">
   <ds:schemaRefs>
-    <ds:schemaRef ds:uri="7b55a7f8-90d0-4472-bc79-4a63b309486a"/>
-    <ds:schemaRef ds:uri="c758bd14-26c5-4ff9-bc20-e85b617de168"/>
-    <ds:schemaRef ds:uri="http://purl.org/dc/elements/1.1/"/>
-    <ds:schemaRef ds:uri="http://purl.org/dc/terms/"/>
-    <ds:schemaRef ds:uri="http://schemas.microsoft.com/internal/obd"/>
-    <ds:schemaRef ds:uri="http://schemas.microsoft.com/office/2006/documentManagement/types"/>
-    <ds:schemaRef ds:uri="http://schemas.microsoft.com/office/2006/metadata/contentType"/>
-    <ds:schemaRef ds:uri="http://schemas.microsoft.com/office/2006/metadata/properties"/>
-    <ds:schemaRef ds:uri="http://schemas.microsoft.com/office/2006/metadata/properties/metaAttributes"/>
-    <ds:schemaRef ds:uri="http://schemas.microsoft.com/office/infopath/2007/PartnerControls"/>
-    <ds:schemaRef ds:uri="http://schemas.openxmlformats.org/package/2006/metadata/core-properties"/>
-    <ds:schemaRef ds:uri="http://www.w3.org/2001/XMLSchema"/>
+    <ds:schemaRef ds:uri="http://schemas.microsoft.com/sharepoint/v3/contenttype/forms"/>
   </ds:schemaRefs>
 </ds:datastoreItem>
 </file>
@@ -10015,9 +7352,20 @@
 </file>
 
 <file path=customXml/itemProps3.xml><?xml version="1.0" encoding="utf-8"?>
-<ds:datastoreItem xmlns:ds="http://schemas.openxmlformats.org/officeDocument/2006/customXml" ds:itemID="{001E2B4C-92A5-4AE6-8F8A-34FD8BF3A4F3}">
+<ds:datastoreItem xmlns:ds="http://schemas.openxmlformats.org/officeDocument/2006/customXml" ds:itemID="{B1448083-BF98-46A4-9F1F-A8CD7037DA53}">
   <ds:schemaRefs>
-    <ds:schemaRef ds:uri="http://schemas.microsoft.com/sharepoint/v3/contenttype/forms"/>
+    <ds:schemaRef ds:uri="7b55a7f8-90d0-4472-bc79-4a63b309486a"/>
+    <ds:schemaRef ds:uri="c758bd14-26c5-4ff9-bc20-e85b617de168"/>
+    <ds:schemaRef ds:uri="http://purl.org/dc/elements/1.1/"/>
+    <ds:schemaRef ds:uri="http://purl.org/dc/terms/"/>
+    <ds:schemaRef ds:uri="http://schemas.microsoft.com/internal/obd"/>
+    <ds:schemaRef ds:uri="http://schemas.microsoft.com/office/2006/documentManagement/types"/>
+    <ds:schemaRef ds:uri="http://schemas.microsoft.com/office/2006/metadata/contentType"/>
+    <ds:schemaRef ds:uri="http://schemas.microsoft.com/office/2006/metadata/properties"/>
+    <ds:schemaRef ds:uri="http://schemas.microsoft.com/office/2006/metadata/properties/metaAttributes"/>
+    <ds:schemaRef ds:uri="http://schemas.microsoft.com/office/infopath/2007/PartnerControls"/>
+    <ds:schemaRef ds:uri="http://schemas.openxmlformats.org/package/2006/metadata/core-properties"/>
+    <ds:schemaRef ds:uri="http://www.w3.org/2001/XMLSchema"/>
   </ds:schemaRefs>
 </ds:datastoreItem>
 </file>